--- a/Poster_v5.pptx
+++ b/Poster_v5.pptx
@@ -107,6 +107,11 @@
       </a:defRPr>
     </a:lvl9pPr>
   </p:defaultTextStyle>
+  <p:extLst>
+    <p:ext uri="{EFAFB233-063F-42B5-8137-9DF3F51BA10A}">
+      <p15:sldGuideLst xmlns:p15="http://schemas.microsoft.com/office/powerpoint/2012/main"/>
+    </p:ext>
+  </p:extLst>
 </p:presentation>
 </file>
 
@@ -2719,7 +2724,7 @@
         <p:spPr>
           <a:xfrm>
             <a:off x="20878920" y="2548440"/>
-            <a:ext cx="11658240" cy="11763360"/>
+            <a:ext cx="11658240" cy="13786978"/>
           </a:xfrm>
           <a:prstGeom prst="roundRect">
             <a:avLst>
@@ -2777,320 +2782,6 @@
           </a:p>
         </p:txBody>
       </p:sp>
-      <p:graphicFrame>
-        <p:nvGraphicFramePr>
-          <p:cNvPr id="59" name="Table 14"/>
-          <p:cNvGraphicFramePr/>
-          <p:nvPr/>
-        </p:nvGraphicFramePr>
-        <p:xfrm>
-          <a:off x="23521320" y="5152680"/>
-          <a:ext cx="6718680" cy="1996378"/>
-        </p:xfrm>
-        <a:graphic>
-          <a:graphicData uri="http://schemas.openxmlformats.org/drawingml/2006/table">
-            <a:tbl>
-              <a:tblPr/>
-              <a:tblGrid>
-                <a:gridCol w="3387240"/>
-                <a:gridCol w="3331440"/>
-              </a:tblGrid>
-              <a:tr h="454320">
-                <a:tc>
-                  <a:txBody>
-                    <a:bodyPr/>
-                    <a:lstStyle/>
-                    <a:p>
-                      <a:pPr algn="ctr">
-                        <a:lnSpc>
-                          <a:spcPct val="107000"/>
-                        </a:lnSpc>
-                      </a:pPr>
-                      <a:r>
-                        <a:rPr lang="en-US" sz="2800" b="1" i="1">
-                          <a:solidFill>
-                            <a:srgbClr val="FFFFFF"/>
-                          </a:solidFill>
-                          <a:latin typeface="Arial"/>
-                          <a:ea typeface="Arial"/>
-                        </a:rPr>
-                        <a:t>Method</a:t>
-                      </a:r>
-                      <a:endParaRPr/>
-                    </a:p>
-                  </a:txBody>
-                  <a:tcPr/>
-                </a:tc>
-                <a:tc>
-                  <a:txBody>
-                    <a:bodyPr/>
-                    <a:lstStyle/>
-                    <a:p>
-                      <a:pPr algn="ctr">
-                        <a:lnSpc>
-                          <a:spcPct val="107000"/>
-                        </a:lnSpc>
-                      </a:pPr>
-                      <a:r>
-                        <a:rPr lang="en-US" sz="2800" b="1" i="1">
-                          <a:solidFill>
-                            <a:srgbClr val="FFFFFF"/>
-                          </a:solidFill>
-                          <a:latin typeface="Arial"/>
-                          <a:ea typeface="Arial"/>
-                        </a:rPr>
-                        <a:t>Top 1 Accuracy</a:t>
-                      </a:r>
-                      <a:endParaRPr/>
-                    </a:p>
-                  </a:txBody>
-                  <a:tcPr/>
-                </a:tc>
-              </a:tr>
-              <a:tr h="391680">
-                <a:tc>
-                  <a:txBody>
-                    <a:bodyPr/>
-                    <a:lstStyle/>
-                    <a:p>
-                      <a:pPr algn="ctr">
-                        <a:lnSpc>
-                          <a:spcPct val="107000"/>
-                        </a:lnSpc>
-                      </a:pPr>
-                      <a:r>
-                        <a:rPr lang="en-US" sz="2400" i="1">
-                          <a:solidFill>
-                            <a:srgbClr val="000000"/>
-                          </a:solidFill>
-                          <a:latin typeface="Arial"/>
-                          <a:ea typeface="Arial"/>
-                        </a:rPr>
-                        <a:t>ScSPM</a:t>
-                      </a:r>
-                      <a:endParaRPr/>
-                    </a:p>
-                  </a:txBody>
-                  <a:tcPr/>
-                </a:tc>
-                <a:tc>
-                  <a:txBody>
-                    <a:bodyPr/>
-                    <a:lstStyle/>
-                    <a:p>
-                      <a:pPr algn="ctr">
-                        <a:lnSpc>
-                          <a:spcPct val="107000"/>
-                        </a:lnSpc>
-                      </a:pPr>
-                      <a:r>
-                        <a:rPr lang="en-US" sz="2400" i="1">
-                          <a:solidFill>
-                            <a:srgbClr val="000000"/>
-                          </a:solidFill>
-                          <a:latin typeface="Arial"/>
-                          <a:ea typeface="Arial"/>
-                        </a:rPr>
-                        <a:t>28.57</a:t>
-                      </a:r>
-                      <a:endParaRPr/>
-                    </a:p>
-                  </a:txBody>
-                  <a:tcPr/>
-                </a:tc>
-              </a:tr>
-              <a:tr h="391680">
-                <a:tc>
-                  <a:txBody>
-                    <a:bodyPr/>
-                    <a:lstStyle/>
-                    <a:p>
-                      <a:pPr algn="ctr">
-                        <a:lnSpc>
-                          <a:spcPct val="107000"/>
-                        </a:lnSpc>
-                      </a:pPr>
-                      <a:r>
-                        <a:rPr lang="en-US" sz="2400" i="1">
-                          <a:solidFill>
-                            <a:srgbClr val="000000"/>
-                          </a:solidFill>
-                          <a:latin typeface="Arial"/>
-                          <a:ea typeface="Arial"/>
-                        </a:rPr>
-                        <a:t>LLC</a:t>
-                      </a:r>
-                      <a:endParaRPr/>
-                    </a:p>
-                  </a:txBody>
-                  <a:tcPr/>
-                </a:tc>
-                <a:tc>
-                  <a:txBody>
-                    <a:bodyPr/>
-                    <a:lstStyle/>
-                    <a:p>
-                      <a:pPr algn="ctr">
-                        <a:lnSpc>
-                          <a:spcPct val="107000"/>
-                        </a:lnSpc>
-                      </a:pPr>
-                      <a:r>
-                        <a:rPr lang="en-US" sz="2400" i="1">
-                          <a:solidFill>
-                            <a:srgbClr val="000000"/>
-                          </a:solidFill>
-                          <a:latin typeface="Arial"/>
-                          <a:ea typeface="Arial"/>
-                        </a:rPr>
-                        <a:t>32.33</a:t>
-                      </a:r>
-                      <a:endParaRPr/>
-                    </a:p>
-                  </a:txBody>
-                  <a:tcPr/>
-                </a:tc>
-              </a:tr>
-              <a:tr h="392400">
-                <a:tc>
-                  <a:txBody>
-                    <a:bodyPr/>
-                    <a:lstStyle/>
-                    <a:p>
-                      <a:pPr algn="ctr">
-                        <a:lnSpc>
-                          <a:spcPct val="107000"/>
-                        </a:lnSpc>
-                      </a:pPr>
-                      <a:r>
-                        <a:rPr lang="en-US" sz="2400" b="1" i="1">
-                          <a:solidFill>
-                            <a:srgbClr val="000000"/>
-                          </a:solidFill>
-                          <a:latin typeface="Arial"/>
-                          <a:ea typeface="Arial"/>
-                        </a:rPr>
-                        <a:t>Our Model</a:t>
-                      </a:r>
-                      <a:endParaRPr/>
-                    </a:p>
-                  </a:txBody>
-                  <a:tcPr/>
-                </a:tc>
-                <a:tc>
-                  <a:txBody>
-                    <a:bodyPr/>
-                    <a:lstStyle/>
-                    <a:p>
-                      <a:pPr algn="ctr">
-                        <a:lnSpc>
-                          <a:spcPct val="107000"/>
-                        </a:lnSpc>
-                      </a:pPr>
-                      <a:r>
-                        <a:rPr lang="en-US" sz="2400" b="1" i="1">
-                          <a:solidFill>
-                            <a:srgbClr val="000000"/>
-                          </a:solidFill>
-                          <a:latin typeface="Arial"/>
-                          <a:ea typeface="Arial"/>
-                        </a:rPr>
-                        <a:t>52.85</a:t>
-                      </a:r>
-                      <a:endParaRPr/>
-                    </a:p>
-                  </a:txBody>
-                  <a:tcPr/>
-                </a:tc>
-              </a:tr>
-            </a:tbl>
-          </a:graphicData>
-        </a:graphic>
-      </p:graphicFrame>
-      <p:sp>
-        <p:nvSpPr>
-          <p:cNvPr id="60" name="CustomShape 15"/>
-          <p:cNvSpPr/>
-          <p:nvPr/>
-        </p:nvSpPr>
-        <p:spPr>
-          <a:xfrm>
-            <a:off x="22414680" y="6836040"/>
-            <a:ext cx="8932680" cy="418320"/>
-          </a:xfrm>
-          <a:prstGeom prst="rect">
-            <a:avLst/>
-          </a:prstGeom>
-          <a:noFill/>
-          <a:ln>
-            <a:noFill/>
-          </a:ln>
-        </p:spPr>
-        <p:txBody>
-          <a:bodyPr/>
-          <a:lstStyle/>
-          <a:p>
-            <a:pPr algn="ctr">
-              <a:lnSpc>
-                <a:spcPct val="100000"/>
-              </a:lnSpc>
-            </a:pPr>
-            <a:r>
-              <a:rPr lang="en-US" sz="2000">
-                <a:solidFill>
-                  <a:srgbClr val="000000"/>
-                </a:solidFill>
-                <a:latin typeface="Times New Roman"/>
-                <a:ea typeface="Times New Roman"/>
-              </a:rPr>
-              <a:t>Table 1. Evaluation of Object Recognition</a:t>
-            </a:r>
-            <a:endParaRPr/>
-          </a:p>
-        </p:txBody>
-      </p:sp>
-      <p:sp>
-        <p:nvSpPr>
-          <p:cNvPr id="61" name="CustomShape 16"/>
-          <p:cNvSpPr/>
-          <p:nvPr/>
-        </p:nvSpPr>
-        <p:spPr>
-          <a:xfrm>
-            <a:off x="24562440" y="12956400"/>
-            <a:ext cx="4636800" cy="707400"/>
-          </a:xfrm>
-          <a:prstGeom prst="rect">
-            <a:avLst/>
-          </a:prstGeom>
-          <a:noFill/>
-          <a:ln>
-            <a:noFill/>
-          </a:ln>
-        </p:spPr>
-        <p:txBody>
-          <a:bodyPr/>
-          <a:lstStyle/>
-          <a:p>
-            <a:pPr>
-              <a:lnSpc>
-                <a:spcPct val="100000"/>
-              </a:lnSpc>
-            </a:pPr>
-            <a:r>
-              <a:rPr lang="en-US" sz="2000">
-                <a:solidFill>
-                  <a:srgbClr val="000000"/>
-                </a:solidFill>
-                <a:latin typeface="Times New Roman"/>
-                <a:ea typeface="Times New Roman"/>
-              </a:rPr>
-              <a:t>Tabel 2. Evaluation of Relation Prediction</a:t>
-            </a:r>
-            <a:endParaRPr/>
-          </a:p>
-        </p:txBody>
-      </p:sp>
       <p:sp>
         <p:nvSpPr>
           <p:cNvPr id="62" name="CustomShape 17"/>
@@ -3099,7 +2790,7 @@
         </p:nvSpPr>
         <p:spPr>
           <a:xfrm>
-            <a:off x="9601200" y="7908120"/>
+            <a:off x="9601200" y="8913960"/>
             <a:ext cx="10653480" cy="504360"/>
           </a:xfrm>
           <a:prstGeom prst="rect">
@@ -3144,8 +2835,8 @@
         </p:nvSpPr>
         <p:spPr>
           <a:xfrm>
-            <a:off x="20874600" y="14670360"/>
-            <a:ext cx="11564280" cy="4988880"/>
+            <a:off x="20874600" y="16735680"/>
+            <a:ext cx="11564280" cy="2923560"/>
           </a:xfrm>
           <a:prstGeom prst="roundRect">
             <a:avLst>
@@ -3169,7 +2860,7 @@
         </p:nvSpPr>
         <p:spPr>
           <a:xfrm>
-            <a:off x="24586920" y="14622120"/>
+            <a:off x="24397020" y="16911088"/>
             <a:ext cx="4139280" cy="733680"/>
           </a:xfrm>
           <a:prstGeom prst="rect">
@@ -3190,7 +2881,7 @@
               </a:lnSpc>
             </a:pPr>
             <a:r>
-              <a:rPr lang="en-US" sz="3600" b="1">
+              <a:rPr lang="en-US" sz="3600" b="1" dirty="0">
                 <a:solidFill>
                   <a:srgbClr val="C00000"/>
                 </a:solidFill>
@@ -3199,7 +2890,7 @@
               </a:rPr>
               <a:t>Reference</a:t>
             </a:r>
-            <a:endParaRPr/>
+            <a:endParaRPr dirty="0"/>
           </a:p>
         </p:txBody>
       </p:sp>
@@ -3211,7 +2902,7 @@
         </p:nvSpPr>
         <p:spPr>
           <a:xfrm>
-            <a:off x="24334200" y="16985880"/>
+            <a:off x="24288480" y="17526868"/>
             <a:ext cx="217080" cy="235800"/>
           </a:xfrm>
           <a:prstGeom prst="rect">
@@ -3231,7 +2922,7 @@
         </p:nvSpPr>
         <p:spPr>
           <a:xfrm>
-            <a:off x="21108960" y="15382800"/>
+            <a:off x="21191760" y="17551080"/>
             <a:ext cx="11214720" cy="3938760"/>
           </a:xfrm>
           <a:prstGeom prst="rect">
@@ -3252,7 +2943,7 @@
               </a:lnSpc>
             </a:pPr>
             <a:r>
-              <a:rPr lang="en-US" sz="2400" dirty="0">
+              <a:rPr lang="en-US" sz="2000" dirty="0">
                 <a:solidFill>
                   <a:srgbClr val="000000"/>
                 </a:solidFill>
@@ -3262,7 +2953,7 @@
               <a:t>[1] </a:t>
             </a:r>
             <a:r>
-              <a:rPr lang="en-US" sz="2400" dirty="0" err="1">
+              <a:rPr lang="en-US" sz="2000" dirty="0" err="1">
                 <a:solidFill>
                   <a:srgbClr val="000000"/>
                 </a:solidFill>
@@ -3272,7 +2963,7 @@
               <a:t>Karpathy</a:t>
             </a:r>
             <a:r>
-              <a:rPr lang="en-US" sz="2400" dirty="0">
+              <a:rPr lang="en-US" sz="2000" dirty="0">
                 <a:solidFill>
                   <a:srgbClr val="000000"/>
                 </a:solidFill>
@@ -3282,7 +2973,7 @@
               <a:t>, A., &amp; </a:t>
             </a:r>
             <a:r>
-              <a:rPr lang="en-US" sz="2400" dirty="0" err="1">
+              <a:rPr lang="en-US" sz="2000" dirty="0" err="1">
                 <a:solidFill>
                   <a:srgbClr val="000000"/>
                 </a:solidFill>
@@ -3292,7 +2983,7 @@
               <a:t>Fei-Fei</a:t>
             </a:r>
             <a:r>
-              <a:rPr lang="en-US" sz="2400" dirty="0">
+              <a:rPr lang="en-US" sz="2000" dirty="0">
                 <a:solidFill>
                   <a:srgbClr val="000000"/>
                 </a:solidFill>
@@ -3302,7 +2993,7 @@
               <a:t>, L. (2014). Deep visual-semantic alignments for generating image descriptions. </a:t>
             </a:r>
             <a:r>
-              <a:rPr lang="en-US" sz="2400" dirty="0" err="1">
+              <a:rPr lang="en-US" sz="2000" dirty="0" err="1">
                 <a:solidFill>
                   <a:srgbClr val="000000"/>
                 </a:solidFill>
@@ -3312,7 +3003,7 @@
               <a:t>arXiv</a:t>
             </a:r>
             <a:r>
-              <a:rPr lang="en-US" sz="2400" dirty="0">
+              <a:rPr lang="en-US" sz="2000" dirty="0">
                 <a:solidFill>
                   <a:srgbClr val="000000"/>
                 </a:solidFill>
@@ -3321,7 +3012,7 @@
               </a:rPr>
               <a:t> preprint arXiv:1412.2306.</a:t>
             </a:r>
-            <a:endParaRPr dirty="0"/>
+            <a:endParaRPr sz="2000" dirty="0"/>
           </a:p>
           <a:p>
             <a:pPr>
@@ -3330,7 +3021,7 @@
               </a:lnSpc>
             </a:pPr>
             <a:r>
-              <a:rPr lang="en-US" sz="2400" dirty="0">
+              <a:rPr lang="en-US" sz="2000" dirty="0">
                 <a:solidFill>
                   <a:srgbClr val="000000"/>
                 </a:solidFill>
@@ -3340,7 +3031,7 @@
               <a:t>[2] </a:t>
             </a:r>
             <a:r>
-              <a:rPr lang="en-US" sz="2400" dirty="0" err="1">
+              <a:rPr lang="en-US" sz="2000" dirty="0" err="1">
                 <a:solidFill>
                   <a:srgbClr val="000000"/>
                 </a:solidFill>
@@ -3350,7 +3041,7 @@
               <a:t>Vinyals</a:t>
             </a:r>
             <a:r>
-              <a:rPr lang="en-US" sz="2400" dirty="0">
+              <a:rPr lang="en-US" sz="2000" dirty="0">
                 <a:solidFill>
                   <a:srgbClr val="000000"/>
                 </a:solidFill>
@@ -3360,7 +3051,7 @@
               <a:t>, O., </a:t>
             </a:r>
             <a:r>
-              <a:rPr lang="en-US" sz="2400" dirty="0" err="1">
+              <a:rPr lang="en-US" sz="2000" dirty="0" err="1">
                 <a:solidFill>
                   <a:srgbClr val="000000"/>
                 </a:solidFill>
@@ -3370,7 +3061,7 @@
               <a:t>Toshev</a:t>
             </a:r>
             <a:r>
-              <a:rPr lang="en-US" sz="2400" dirty="0">
+              <a:rPr lang="en-US" sz="2000" dirty="0">
                 <a:solidFill>
                   <a:srgbClr val="000000"/>
                 </a:solidFill>
@@ -3380,7 +3071,7 @@
               <a:t>, A., </a:t>
             </a:r>
             <a:r>
-              <a:rPr lang="en-US" sz="2400" dirty="0" err="1">
+              <a:rPr lang="en-US" sz="2000" dirty="0" err="1">
                 <a:solidFill>
                   <a:srgbClr val="000000"/>
                 </a:solidFill>
@@ -3390,7 +3081,7 @@
               <a:t>Bengio</a:t>
             </a:r>
             <a:r>
-              <a:rPr lang="en-US" sz="2400" dirty="0">
+              <a:rPr lang="en-US" sz="2000" dirty="0">
                 <a:solidFill>
                   <a:srgbClr val="000000"/>
                 </a:solidFill>
@@ -3400,7 +3091,7 @@
               <a:t>, S., &amp; </a:t>
             </a:r>
             <a:r>
-              <a:rPr lang="en-US" sz="2400" dirty="0" err="1">
+              <a:rPr lang="en-US" sz="2000" dirty="0" err="1">
                 <a:solidFill>
                   <a:srgbClr val="000000"/>
                 </a:solidFill>
@@ -3410,7 +3101,7 @@
               <a:t>Erhan</a:t>
             </a:r>
             <a:r>
-              <a:rPr lang="en-US" sz="2400" dirty="0">
+              <a:rPr lang="en-US" sz="2000" dirty="0">
                 <a:solidFill>
                   <a:srgbClr val="000000"/>
                 </a:solidFill>
@@ -3420,7 +3111,7 @@
               <a:t>, D. (2014). Show and tell: A neural image caption generator. </a:t>
             </a:r>
             <a:r>
-              <a:rPr lang="en-US" sz="2400" dirty="0" err="1">
+              <a:rPr lang="en-US" sz="2000" dirty="0" err="1">
                 <a:solidFill>
                   <a:srgbClr val="000000"/>
                 </a:solidFill>
@@ -3430,7 +3121,7 @@
               <a:t>arXiv</a:t>
             </a:r>
             <a:r>
-              <a:rPr lang="en-US" sz="2400" dirty="0">
+              <a:rPr lang="en-US" sz="2000" dirty="0">
                 <a:solidFill>
                   <a:srgbClr val="000000"/>
                 </a:solidFill>
@@ -3439,7 +3130,7 @@
               </a:rPr>
               <a:t> preprint arXiv:1411.4555.</a:t>
             </a:r>
-            <a:endParaRPr dirty="0"/>
+            <a:endParaRPr sz="2000" dirty="0"/>
           </a:p>
           <a:p>
             <a:pPr>
@@ -3448,7 +3139,7 @@
               </a:lnSpc>
             </a:pPr>
             <a:r>
-              <a:rPr lang="en-US" sz="2400" dirty="0">
+              <a:rPr lang="en-US" sz="2000" dirty="0">
                 <a:solidFill>
                   <a:srgbClr val="000000"/>
                 </a:solidFill>
@@ -3458,7 +3149,7 @@
               <a:t>[3] </a:t>
             </a:r>
             <a:r>
-              <a:rPr lang="en-US" sz="2400" dirty="0" err="1">
+              <a:rPr lang="en-US" sz="2000" dirty="0" err="1">
                 <a:solidFill>
                   <a:srgbClr val="000000"/>
                 </a:solidFill>
@@ -3468,7 +3159,7 @@
               <a:t>Blei</a:t>
             </a:r>
             <a:r>
-              <a:rPr lang="en-US" sz="2400" dirty="0">
+              <a:rPr lang="en-US" sz="2000" dirty="0">
                 <a:solidFill>
                   <a:srgbClr val="000000"/>
                 </a:solidFill>
@@ -3478,7 +3169,7 @@
               <a:t>, D. M., Ng, A. Y., &amp; Jordan, M. I. (2003). Latent </a:t>
             </a:r>
             <a:r>
-              <a:rPr lang="en-US" sz="2400" dirty="0" err="1">
+              <a:rPr lang="en-US" sz="2000" dirty="0" err="1">
                 <a:solidFill>
                   <a:srgbClr val="000000"/>
                 </a:solidFill>
@@ -3488,7 +3179,7 @@
               <a:t>dirichlet</a:t>
             </a:r>
             <a:r>
-              <a:rPr lang="en-US" sz="2400" dirty="0">
+              <a:rPr lang="en-US" sz="2000" dirty="0">
                 <a:solidFill>
                   <a:srgbClr val="000000"/>
                 </a:solidFill>
@@ -3497,7 +3188,7 @@
               </a:rPr>
               <a:t> allocation. the Journal of machine Learning research, 3, 993-1022.</a:t>
             </a:r>
-            <a:endParaRPr dirty="0"/>
+            <a:endParaRPr sz="2000" dirty="0"/>
           </a:p>
         </p:txBody>
       </p:sp>
@@ -3509,7 +3200,7 @@
         </p:nvSpPr>
         <p:spPr>
           <a:xfrm>
-            <a:off x="9474428" y="12956400"/>
+            <a:off x="9474428" y="12804000"/>
             <a:ext cx="10653480" cy="504360"/>
           </a:xfrm>
           <a:prstGeom prst="rect">
@@ -3641,7 +3332,7 @@
         </p:nvSpPr>
         <p:spPr>
           <a:xfrm>
-            <a:off x="21038400" y="20433600"/>
+            <a:off x="21038400" y="20357400"/>
             <a:ext cx="11009520" cy="923040"/>
           </a:xfrm>
           <a:prstGeom prst="rect">
@@ -3662,14 +3353,10 @@
               </a:lnSpc>
             </a:pPr>
             <a:r>
-              <a:rPr lang="en-US" dirty="0" smtClean="0"/>
-              <a:t>We may want to train a different recurrent neural network with distinct parameters for each topic or a group of topic, so that the status generated can be more distinguishable. However this requires more analysis and </a:t>
-            </a:r>
-            <a:r>
-              <a:rPr lang="en-US" smtClean="0"/>
-              <a:t>training time.</a:t>
-            </a:r>
-            <a:endParaRPr dirty="0"/>
+              <a:rPr lang="en-US" sz="2400" dirty="0" smtClean="0"/>
+              <a:t>We may want to train a different recurrent neural network with distinct parameters for each topic or a group of topic, so that the status generated can be more distinguishable. However this requires more analysis and training time.</a:t>
+            </a:r>
+            <a:endParaRPr sz="2400" dirty="0"/>
           </a:p>
         </p:txBody>
       </p:sp>
@@ -3682,7 +3369,7 @@
         <p:spPr>
           <a:xfrm>
             <a:off x="21287160" y="4133160"/>
-            <a:ext cx="11187000" cy="1618920"/>
+            <a:ext cx="11187000" cy="1410840"/>
           </a:xfrm>
           <a:prstGeom prst="rect">
             <a:avLst/>
@@ -3704,44 +3391,82 @@
               <a:buChar char="•"/>
             </a:pPr>
             <a:r>
-              <a:rPr lang="en-US" sz="2800">
+              <a:rPr lang="en-US" sz="2800" dirty="0" smtClean="0">
                 <a:solidFill>
                   <a:srgbClr val="000000"/>
                 </a:solidFill>
                 <a:latin typeface="Arial"/>
                 <a:ea typeface="Arial"/>
               </a:rPr>
-              <a:t>ScSPM: Linear Spatial pyramid matching using sparse coding</a:t>
-            </a:r>
-            <a:endParaRPr/>
-          </a:p>
-          <a:p>
-            <a:pPr algn="just">
-              <a:lnSpc>
-                <a:spcPct val="100000"/>
-              </a:lnSpc>
-              <a:buFont typeface="Arial"/>
-              <a:buChar char="•"/>
-            </a:pPr>
-            <a:r>
-              <a:rPr lang="en-US" sz="2800">
+              <a:t> We </a:t>
+            </a:r>
+            <a:r>
+              <a:rPr lang="en-US" sz="2800" dirty="0">
                 <a:solidFill>
                   <a:srgbClr val="000000"/>
                 </a:solidFill>
                 <a:latin typeface="Arial"/>
                 <a:ea typeface="Arial"/>
               </a:rPr>
-              <a:t>LLC: Locality-constrained Linear Coding</a:t>
-            </a:r>
-            <a:endParaRPr/>
-          </a:p>
-          <a:p>
-            <a:pPr algn="just">
-              <a:lnSpc>
-                <a:spcPct val="100000"/>
-              </a:lnSpc>
-            </a:pPr>
-            <a:endParaRPr/>
+              <a:t>intersect the user personality table and user status table from the data in </a:t>
+            </a:r>
+            <a:r>
+              <a:rPr lang="en-US" sz="2800" dirty="0" err="1">
+                <a:solidFill>
+                  <a:srgbClr val="000000"/>
+                </a:solidFill>
+                <a:latin typeface="Arial"/>
+                <a:ea typeface="Arial"/>
+              </a:rPr>
+              <a:t>myPersonality</a:t>
+            </a:r>
+            <a:r>
+              <a:rPr lang="en-US" sz="2800" dirty="0">
+                <a:solidFill>
+                  <a:srgbClr val="000000"/>
+                </a:solidFill>
+                <a:latin typeface="Arial"/>
+                <a:ea typeface="Arial"/>
+              </a:rPr>
+              <a:t> </a:t>
+            </a:r>
+            <a:r>
+              <a:rPr lang="en-US" sz="2800" dirty="0" smtClean="0">
+                <a:solidFill>
+                  <a:srgbClr val="000000"/>
+                </a:solidFill>
+                <a:latin typeface="Arial"/>
+                <a:ea typeface="Arial"/>
+              </a:rPr>
+              <a:t>project. Then</a:t>
+            </a:r>
+            <a:r>
+              <a:rPr lang="en-US" sz="2800" dirty="0">
+                <a:solidFill>
+                  <a:srgbClr val="000000"/>
+                </a:solidFill>
+                <a:latin typeface="Arial"/>
+                <a:ea typeface="Arial"/>
+              </a:rPr>
+              <a:t>, we remove users with less than 50 status 2 update</a:t>
+            </a:r>
+            <a:r>
+              <a:rPr lang="en-US" sz="2800" dirty="0" smtClean="0">
+                <a:solidFill>
+                  <a:srgbClr val="000000"/>
+                </a:solidFill>
+                <a:latin typeface="Arial"/>
+                <a:ea typeface="Arial"/>
+              </a:rPr>
+              <a:t>.</a:t>
+            </a:r>
+            <a:endParaRPr sz="2800" dirty="0">
+              <a:solidFill>
+                <a:srgbClr val="000000"/>
+              </a:solidFill>
+              <a:latin typeface="Arial"/>
+              <a:ea typeface="Arial"/>
+            </a:endParaRPr>
           </a:p>
         </p:txBody>
       </p:sp>
@@ -3817,802 +3542,18 @@
           </a:p>
         </p:txBody>
       </p:sp>
-      <p:sp>
-        <p:nvSpPr>
-          <p:cNvPr id="73" name="CustomShape 28"/>
-          <p:cNvSpPr/>
-          <p:nvPr/>
-        </p:nvSpPr>
-        <p:spPr>
-          <a:xfrm>
-            <a:off x="9443520" y="4140720"/>
-            <a:ext cx="10653480" cy="6228000"/>
-          </a:xfrm>
-          <a:prstGeom prst="rect">
-            <a:avLst/>
-          </a:prstGeom>
-          <a:noFill/>
-          <a:ln>
-            <a:noFill/>
-          </a:ln>
-        </p:spPr>
-        <p:txBody>
-          <a:bodyPr tIns="91440" bIns="91440"/>
-          <a:lstStyle/>
-          <a:p>
-            <a:pPr>
-              <a:lnSpc>
-                <a:spcPct val="100000"/>
-              </a:lnSpc>
-              <a:buFont typeface="Arial"/>
-              <a:buChar char="•"/>
-            </a:pPr>
-            <a:r>
-              <a:rPr lang="en-US" sz="2800">
-                <a:solidFill>
-                  <a:srgbClr val="000000"/>
-                </a:solidFill>
-                <a:latin typeface="Arial"/>
-                <a:ea typeface="Arial"/>
-              </a:rPr>
-              <a:t>We extract the feature representations, class labels and attributes of objects oi through the state-of-the-art Convolutional Neural Network.</a:t>
-            </a:r>
-            <a:endParaRPr/>
-          </a:p>
-          <a:p>
-            <a:pPr>
-              <a:lnSpc>
-                <a:spcPct val="100000"/>
-              </a:lnSpc>
-              <a:buFont typeface="Arial"/>
-              <a:buChar char="•"/>
-            </a:pPr>
-            <a:r>
-              <a:rPr lang="en-US" sz="2800">
-                <a:solidFill>
-                  <a:srgbClr val="000000"/>
-                </a:solidFill>
-                <a:latin typeface="Arial"/>
-                <a:ea typeface="Arial"/>
-              </a:rPr>
-              <a:t>We use the AlexNet pre-train model on ImageNet dataset and replace the 4096 dimensions FC7 layer with a 128 dimensions  FC7 layer since the dimension of FC7 layer affects the size of tensor in following steps. Also, we finetune the softmax layer with 132 output classes.</a:t>
-            </a:r>
-            <a:endParaRPr/>
-          </a:p>
-        </p:txBody>
-      </p:sp>
-      <p:sp>
-        <p:nvSpPr>
-          <p:cNvPr id="74" name="CustomShape 29"/>
-          <p:cNvSpPr/>
-          <p:nvPr/>
-        </p:nvSpPr>
-        <p:spPr>
-          <a:xfrm>
-            <a:off x="9506880" y="13663800"/>
-            <a:ext cx="10617840" cy="1052640"/>
-          </a:xfrm>
-          <a:prstGeom prst="rect">
-            <a:avLst/>
-          </a:prstGeom>
-          <a:noFill/>
-          <a:ln>
-            <a:noFill/>
-          </a:ln>
-        </p:spPr>
-        <p:txBody>
-          <a:bodyPr tIns="91440" bIns="91440"/>
-          <a:lstStyle/>
-          <a:p>
-            <a:pPr>
-              <a:lnSpc>
-                <a:spcPct val="100000"/>
-              </a:lnSpc>
-              <a:buFont typeface="Arial"/>
-              <a:buChar char="•"/>
-            </a:pPr>
-            <a:r>
-              <a:rPr lang="en-US" sz="2800" dirty="0" smtClean="0"/>
-              <a:t>For every status x1, ...xt−1, </a:t>
-            </a:r>
-            <a:r>
-              <a:rPr lang="en-US" sz="2800" dirty="0" err="1" smtClean="0"/>
-              <a:t>xt</a:t>
-            </a:r>
-            <a:r>
-              <a:rPr lang="en-US" sz="2800" dirty="0" smtClean="0"/>
-              <a:t>, xt+1, ..., </a:t>
-            </a:r>
-            <a:r>
-              <a:rPr lang="en-US" sz="2800" dirty="0" err="1" smtClean="0"/>
-              <a:t>xT</a:t>
-            </a:r>
-            <a:r>
-              <a:rPr lang="en-US" sz="2800" dirty="0" smtClean="0"/>
-              <a:t> , the precise form of our proposed RNN is as follows:</a:t>
-            </a:r>
-          </a:p>
-          <a:p>
-            <a:pPr>
-              <a:lnSpc>
-                <a:spcPct val="100000"/>
-              </a:lnSpc>
-            </a:pPr>
-            <a:endParaRPr dirty="0"/>
-          </a:p>
-        </p:txBody>
-      </p:sp>
-      <p:sp>
-        <p:nvSpPr>
-          <p:cNvPr id="75" name="CustomShape 30"/>
-          <p:cNvSpPr/>
-          <p:nvPr/>
-        </p:nvSpPr>
-        <p:spPr>
-          <a:xfrm>
-            <a:off x="5018760" y="285480"/>
-            <a:ext cx="23774760" cy="1644840"/>
-          </a:xfrm>
-          <a:prstGeom prst="rect">
-            <a:avLst/>
-          </a:prstGeom>
-          <a:solidFill>
-            <a:srgbClr val="C10909"/>
-          </a:solidFill>
-          <a:ln>
-            <a:noFill/>
-          </a:ln>
-        </p:spPr>
-        <p:txBody>
-          <a:bodyPr lIns="90000" tIns="45000" rIns="90000" bIns="45000"/>
-          <a:lstStyle/>
-          <a:p>
-            <a:pPr algn="ctr">
-              <a:lnSpc>
-                <a:spcPct val="100000"/>
-              </a:lnSpc>
-            </a:pPr>
-            <a:r>
-              <a:rPr lang="en-US" sz="5400">
-                <a:solidFill>
-                  <a:srgbClr val="FFFFFF"/>
-                </a:solidFill>
-                <a:latin typeface="Arial"/>
-                <a:ea typeface="Arial"/>
-              </a:rPr>
-              <a:t>User Status Generation Based on Personality and Topic</a:t>
-            </a:r>
-            <a:endParaRPr/>
-          </a:p>
-          <a:p>
-            <a:pPr algn="ctr">
-              <a:lnSpc>
-                <a:spcPct val="100000"/>
-              </a:lnSpc>
-            </a:pPr>
-            <a:r>
-              <a:rPr lang="en-US" sz="2400">
-                <a:solidFill>
-                  <a:srgbClr val="FFFFFF"/>
-                </a:solidFill>
-                <a:latin typeface="Arial"/>
-                <a:ea typeface="Arial"/>
-              </a:rPr>
-              <a:t>Yilun Wang, Shijie Liu</a:t>
-            </a:r>
-            <a:endParaRPr/>
-          </a:p>
-          <a:p>
-            <a:pPr algn="ctr">
-              <a:lnSpc>
-                <a:spcPct val="100000"/>
-              </a:lnSpc>
-            </a:pPr>
-            <a:r>
-              <a:rPr lang="en-US" sz="2400">
-                <a:solidFill>
-                  <a:srgbClr val="FFFFFF"/>
-                </a:solidFill>
-                <a:latin typeface="Arial"/>
-                <a:ea typeface="Arial"/>
-              </a:rPr>
-              <a:t>Department of Computer Science, Stanford University</a:t>
-            </a:r>
-            <a:endParaRPr/>
-          </a:p>
-        </p:txBody>
-      </p:sp>
-      <p:sp>
-        <p:nvSpPr>
-          <p:cNvPr id="76" name="CustomShape 31"/>
-          <p:cNvSpPr/>
-          <p:nvPr/>
-        </p:nvSpPr>
-        <p:spPr>
-          <a:xfrm>
-            <a:off x="21287160" y="8154360"/>
-            <a:ext cx="11187000" cy="3655800"/>
-          </a:xfrm>
-          <a:prstGeom prst="rect">
-            <a:avLst/>
-          </a:prstGeom>
-          <a:noFill/>
-          <a:ln>
-            <a:noFill/>
-          </a:ln>
-        </p:spPr>
-        <p:txBody>
-          <a:bodyPr/>
-          <a:lstStyle/>
-          <a:p>
-            <a:pPr algn="just">
-              <a:lnSpc>
-                <a:spcPct val="100000"/>
-              </a:lnSpc>
-              <a:buFont typeface="Arial"/>
-              <a:buChar char="•"/>
-            </a:pPr>
-            <a:r>
-              <a:rPr lang="en-US" sz="2800">
-                <a:solidFill>
-                  <a:srgbClr val="000000"/>
-                </a:solidFill>
-                <a:latin typeface="Arial"/>
-                <a:ea typeface="Arial"/>
-              </a:rPr>
-              <a:t>LLC+SVM: We concatenate LLC codes of a pair of objects and feed into SVM </a:t>
-            </a:r>
-            <a:endParaRPr/>
-          </a:p>
-          <a:p>
-            <a:pPr algn="just">
-              <a:lnSpc>
-                <a:spcPct val="100000"/>
-              </a:lnSpc>
-              <a:buFont typeface="Arial"/>
-              <a:buChar char="•"/>
-            </a:pPr>
-            <a:r>
-              <a:rPr lang="en-US" sz="2800">
-                <a:solidFill>
-                  <a:srgbClr val="000000"/>
-                </a:solidFill>
-                <a:latin typeface="Arial"/>
-                <a:ea typeface="Arial"/>
-              </a:rPr>
-              <a:t>LLC+NTN: We train NTN with LLC codes</a:t>
-            </a:r>
-            <a:endParaRPr/>
-          </a:p>
-          <a:p>
-            <a:pPr algn="just">
-              <a:lnSpc>
-                <a:spcPct val="100000"/>
-              </a:lnSpc>
-              <a:buFont typeface="Arial"/>
-              <a:buChar char="•"/>
-            </a:pPr>
-            <a:r>
-              <a:rPr lang="en-US" sz="2800">
-                <a:solidFill>
-                  <a:srgbClr val="000000"/>
-                </a:solidFill>
-                <a:latin typeface="Arial"/>
-                <a:ea typeface="Arial"/>
-              </a:rPr>
-              <a:t>CNN+SVM: We concatenate FC7 codes of a pair of objects and feed into SVM </a:t>
-            </a:r>
-            <a:endParaRPr/>
-          </a:p>
-          <a:p>
-            <a:pPr algn="just">
-              <a:lnSpc>
-                <a:spcPct val="100000"/>
-              </a:lnSpc>
-              <a:buFont typeface="Arial"/>
-              <a:buChar char="•"/>
-            </a:pPr>
-            <a:r>
-              <a:rPr lang="en-US" sz="2800">
-                <a:solidFill>
-                  <a:srgbClr val="000000"/>
-                </a:solidFill>
-                <a:latin typeface="Arial"/>
-                <a:ea typeface="Arial"/>
-              </a:rPr>
-              <a:t>Our Model: We train NTN with FC7 codes</a:t>
-            </a:r>
-            <a:endParaRPr/>
-          </a:p>
-          <a:p>
-            <a:pPr algn="just">
-              <a:lnSpc>
-                <a:spcPct val="100000"/>
-              </a:lnSpc>
-            </a:pPr>
-            <a:endParaRPr/>
-          </a:p>
-          <a:p>
-            <a:pPr algn="just">
-              <a:lnSpc>
-                <a:spcPct val="100000"/>
-              </a:lnSpc>
-            </a:pPr>
-            <a:endParaRPr/>
-          </a:p>
-        </p:txBody>
-      </p:sp>
-      <p:graphicFrame>
-        <p:nvGraphicFramePr>
-          <p:cNvPr id="77" name="Table 32"/>
-          <p:cNvGraphicFramePr/>
-          <p:nvPr/>
-        </p:nvGraphicFramePr>
-        <p:xfrm>
-          <a:off x="23613480" y="10918080"/>
-          <a:ext cx="6718680" cy="2479169"/>
-        </p:xfrm>
-        <a:graphic>
-          <a:graphicData uri="http://schemas.openxmlformats.org/drawingml/2006/table">
-            <a:tbl>
-              <a:tblPr/>
-              <a:tblGrid>
-                <a:gridCol w="3387240"/>
-                <a:gridCol w="3331440"/>
-              </a:tblGrid>
-              <a:tr h="456120">
-                <a:tc>
-                  <a:txBody>
-                    <a:bodyPr/>
-                    <a:lstStyle/>
-                    <a:p>
-                      <a:pPr algn="ctr">
-                        <a:lnSpc>
-                          <a:spcPct val="107000"/>
-                        </a:lnSpc>
-                      </a:pPr>
-                      <a:r>
-                        <a:rPr lang="en-US" sz="2800" b="1" i="1">
-                          <a:solidFill>
-                            <a:srgbClr val="FFFFFF"/>
-                          </a:solidFill>
-                          <a:latin typeface="Arial"/>
-                          <a:ea typeface="Arial"/>
-                        </a:rPr>
-                        <a:t>Method</a:t>
-                      </a:r>
-                      <a:endParaRPr/>
-                    </a:p>
-                  </a:txBody>
-                  <a:tcPr/>
-                </a:tc>
-                <a:tc>
-                  <a:txBody>
-                    <a:bodyPr/>
-                    <a:lstStyle/>
-                    <a:p>
-                      <a:pPr algn="ctr">
-                        <a:lnSpc>
-                          <a:spcPct val="107000"/>
-                        </a:lnSpc>
-                      </a:pPr>
-                      <a:r>
-                        <a:rPr lang="en-US" sz="2800" b="1" i="1">
-                          <a:solidFill>
-                            <a:srgbClr val="FFFFFF"/>
-                          </a:solidFill>
-                          <a:latin typeface="Arial"/>
-                          <a:ea typeface="Arial"/>
-                        </a:rPr>
-                        <a:t>Top 1 Accuracy</a:t>
-                      </a:r>
-                      <a:endParaRPr/>
-                    </a:p>
-                  </a:txBody>
-                  <a:tcPr/>
-                </a:tc>
-              </a:tr>
-              <a:tr h="391320">
-                <a:tc>
-                  <a:txBody>
-                    <a:bodyPr/>
-                    <a:lstStyle/>
-                    <a:p>
-                      <a:pPr algn="ctr">
-                        <a:lnSpc>
-                          <a:spcPct val="107000"/>
-                        </a:lnSpc>
-                      </a:pPr>
-                      <a:r>
-                        <a:rPr lang="en-US" sz="2400" i="1">
-                          <a:solidFill>
-                            <a:srgbClr val="000000"/>
-                          </a:solidFill>
-                          <a:latin typeface="Arial"/>
-                          <a:ea typeface="Arial"/>
-                        </a:rPr>
-                        <a:t>LLC+SVM</a:t>
-                      </a:r>
-                      <a:endParaRPr/>
-                    </a:p>
-                  </a:txBody>
-                  <a:tcPr/>
-                </a:tc>
-                <a:tc>
-                  <a:txBody>
-                    <a:bodyPr/>
-                    <a:lstStyle/>
-                    <a:p>
-                      <a:pPr algn="ctr">
-                        <a:lnSpc>
-                          <a:spcPct val="107000"/>
-                        </a:lnSpc>
-                      </a:pPr>
-                      <a:r>
-                        <a:rPr lang="en-US" sz="2400" i="1">
-                          <a:solidFill>
-                            <a:srgbClr val="000000"/>
-                          </a:solidFill>
-                          <a:latin typeface="Arial"/>
-                          <a:ea typeface="Arial"/>
-                        </a:rPr>
-                        <a:t>32.21</a:t>
-                      </a:r>
-                      <a:endParaRPr/>
-                    </a:p>
-                  </a:txBody>
-                  <a:tcPr/>
-                </a:tc>
-              </a:tr>
-              <a:tr h="391320">
-                <a:tc>
-                  <a:txBody>
-                    <a:bodyPr/>
-                    <a:lstStyle/>
-                    <a:p>
-                      <a:pPr algn="ctr">
-                        <a:lnSpc>
-                          <a:spcPct val="107000"/>
-                        </a:lnSpc>
-                      </a:pPr>
-                      <a:r>
-                        <a:rPr lang="en-US" sz="2400" i="1">
-                          <a:solidFill>
-                            <a:srgbClr val="000000"/>
-                          </a:solidFill>
-                          <a:latin typeface="Arial"/>
-                          <a:ea typeface="Arial"/>
-                        </a:rPr>
-                        <a:t>LLC+NTN</a:t>
-                      </a:r>
-                      <a:endParaRPr/>
-                    </a:p>
-                  </a:txBody>
-                  <a:tcPr/>
-                </a:tc>
-                <a:tc>
-                  <a:txBody>
-                    <a:bodyPr/>
-                    <a:lstStyle/>
-                    <a:p>
-                      <a:pPr algn="ctr">
-                        <a:lnSpc>
-                          <a:spcPct val="107000"/>
-                        </a:lnSpc>
-                      </a:pPr>
-                      <a:r>
-                        <a:rPr lang="en-US" sz="2400" i="1">
-                          <a:solidFill>
-                            <a:srgbClr val="000000"/>
-                          </a:solidFill>
-                          <a:latin typeface="Arial"/>
-                          <a:ea typeface="Arial"/>
-                        </a:rPr>
-                        <a:t>40.45</a:t>
-                      </a:r>
-                      <a:endParaRPr/>
-                    </a:p>
-                  </a:txBody>
-                  <a:tcPr/>
-                </a:tc>
-              </a:tr>
-              <a:tr h="391320">
-                <a:tc>
-                  <a:txBody>
-                    <a:bodyPr/>
-                    <a:lstStyle/>
-                    <a:p>
-                      <a:pPr algn="ctr">
-                        <a:lnSpc>
-                          <a:spcPct val="107000"/>
-                        </a:lnSpc>
-                      </a:pPr>
-                      <a:r>
-                        <a:rPr lang="en-US" sz="2400" i="1">
-                          <a:solidFill>
-                            <a:srgbClr val="000000"/>
-                          </a:solidFill>
-                          <a:latin typeface="Arial"/>
-                          <a:ea typeface="Arial"/>
-                        </a:rPr>
-                        <a:t>CNN+SVM</a:t>
-                      </a:r>
-                      <a:endParaRPr/>
-                    </a:p>
-                  </a:txBody>
-                  <a:tcPr/>
-                </a:tc>
-                <a:tc>
-                  <a:txBody>
-                    <a:bodyPr/>
-                    <a:lstStyle/>
-                    <a:p>
-                      <a:pPr algn="ctr">
-                        <a:lnSpc>
-                          <a:spcPct val="107000"/>
-                        </a:lnSpc>
-                      </a:pPr>
-                      <a:r>
-                        <a:rPr lang="en-US" sz="2400" i="1">
-                          <a:solidFill>
-                            <a:srgbClr val="000000"/>
-                          </a:solidFill>
-                          <a:latin typeface="Arial"/>
-                          <a:ea typeface="Arial"/>
-                        </a:rPr>
-                        <a:t>47.39</a:t>
-                      </a:r>
-                      <a:endParaRPr/>
-                    </a:p>
-                  </a:txBody>
-                  <a:tcPr/>
-                </a:tc>
-              </a:tr>
-              <a:tr h="391680">
-                <a:tc>
-                  <a:txBody>
-                    <a:bodyPr/>
-                    <a:lstStyle/>
-                    <a:p>
-                      <a:pPr algn="ctr">
-                        <a:lnSpc>
-                          <a:spcPct val="107000"/>
-                        </a:lnSpc>
-                      </a:pPr>
-                      <a:r>
-                        <a:rPr lang="en-US" sz="2400" i="1">
-                          <a:solidFill>
-                            <a:srgbClr val="000000"/>
-                          </a:solidFill>
-                          <a:latin typeface="Arial"/>
-                          <a:ea typeface="Arial"/>
-                        </a:rPr>
-                        <a:t>Our Model</a:t>
-                      </a:r>
-                      <a:endParaRPr/>
-                    </a:p>
-                  </a:txBody>
-                  <a:tcPr/>
-                </a:tc>
-                <a:tc>
-                  <a:txBody>
-                    <a:bodyPr/>
-                    <a:lstStyle/>
-                    <a:p>
-                      <a:pPr algn="ctr">
-                        <a:lnSpc>
-                          <a:spcPct val="107000"/>
-                        </a:lnSpc>
-                      </a:pPr>
-                      <a:r>
-                        <a:rPr lang="en-US" sz="2400" i="1">
-                          <a:solidFill>
-                            <a:srgbClr val="000000"/>
-                          </a:solidFill>
-                          <a:latin typeface="Arial"/>
-                          <a:ea typeface="Arial"/>
-                        </a:rPr>
-                        <a:t>57.66</a:t>
-                      </a:r>
-                      <a:endParaRPr/>
-                    </a:p>
-                  </a:txBody>
-                  <a:tcPr/>
-                </a:tc>
-              </a:tr>
-            </a:tbl>
-          </a:graphicData>
-        </a:graphic>
-      </p:graphicFrame>
-      <p:sp>
-        <p:nvSpPr>
-          <p:cNvPr id="78" name="CustomShape 33"/>
-          <p:cNvSpPr/>
-          <p:nvPr/>
-        </p:nvSpPr>
-        <p:spPr>
-          <a:xfrm>
-            <a:off x="21381120" y="3521520"/>
-            <a:ext cx="10653480" cy="504360"/>
-          </a:xfrm>
-          <a:prstGeom prst="rect">
-            <a:avLst/>
-          </a:prstGeom>
-          <a:noFill/>
-          <a:ln w="38160">
-            <a:solidFill>
-              <a:srgbClr val="C00000"/>
-            </a:solidFill>
-            <a:round/>
-          </a:ln>
-        </p:spPr>
-        <p:txBody>
-          <a:bodyPr anchor="ctr"/>
-          <a:lstStyle/>
-          <a:p>
-            <a:pPr algn="just">
-              <a:lnSpc>
-                <a:spcPct val="100000"/>
-              </a:lnSpc>
-            </a:pPr>
-            <a:r>
-              <a:rPr lang="en-US" sz="2800" b="1">
-                <a:solidFill>
-                  <a:srgbClr val="C10909"/>
-                </a:solidFill>
-                <a:latin typeface="Arial"/>
-                <a:ea typeface="Arial"/>
-              </a:rPr>
-              <a:t>1. Evaluation of Relation Prediction</a:t>
-            </a:r>
-            <a:endParaRPr/>
-          </a:p>
-        </p:txBody>
-      </p:sp>
-      <p:sp>
-        <p:nvSpPr>
-          <p:cNvPr id="79" name="CustomShape 34"/>
-          <p:cNvSpPr/>
-          <p:nvPr/>
-        </p:nvSpPr>
-        <p:spPr>
-          <a:xfrm>
-            <a:off x="21422520" y="7436160"/>
-            <a:ext cx="10653480" cy="504360"/>
-          </a:xfrm>
-          <a:prstGeom prst="rect">
-            <a:avLst/>
-          </a:prstGeom>
-          <a:noFill/>
-          <a:ln w="38160">
-            <a:solidFill>
-              <a:srgbClr val="C00000"/>
-            </a:solidFill>
-            <a:round/>
-          </a:ln>
-        </p:spPr>
-        <p:txBody>
-          <a:bodyPr anchor="ctr"/>
-          <a:lstStyle/>
-          <a:p>
-            <a:pPr algn="just">
-              <a:lnSpc>
-                <a:spcPct val="100000"/>
-              </a:lnSpc>
-            </a:pPr>
-            <a:r>
-              <a:rPr lang="en-US" sz="2800" b="1">
-                <a:solidFill>
-                  <a:srgbClr val="C10909"/>
-                </a:solidFill>
-                <a:latin typeface="Arial"/>
-                <a:ea typeface="Arial"/>
-              </a:rPr>
-              <a:t>2. Evaluation of Relation Prediction</a:t>
-            </a:r>
-            <a:endParaRPr/>
-          </a:p>
-        </p:txBody>
-      </p:sp>
-      <p:sp>
-        <p:nvSpPr>
-          <p:cNvPr id="80" name="CustomShape 35"/>
-          <p:cNvSpPr/>
-          <p:nvPr/>
-        </p:nvSpPr>
-        <p:spPr>
-          <a:xfrm>
-            <a:off x="21349800" y="13282920"/>
-            <a:ext cx="11187000" cy="1098360"/>
-          </a:xfrm>
-          <a:prstGeom prst="rect">
-            <a:avLst/>
-          </a:prstGeom>
-          <a:noFill/>
-          <a:ln>
-            <a:noFill/>
-          </a:ln>
-        </p:spPr>
-        <p:txBody>
-          <a:bodyPr/>
-          <a:lstStyle/>
-          <a:p>
-            <a:pPr algn="just">
-              <a:lnSpc>
-                <a:spcPct val="100000"/>
-              </a:lnSpc>
-            </a:pPr>
-            <a:r>
-              <a:rPr lang="en-US" sz="2800">
-                <a:solidFill>
-                  <a:srgbClr val="000000"/>
-                </a:solidFill>
-                <a:latin typeface="Arial"/>
-                <a:ea typeface="Arial"/>
-              </a:rPr>
-              <a:t>As shown above, our results benefit from the advantages of CNN in object recognition and the advantages of NTN in relation prediction.</a:t>
-            </a:r>
-            <a:endParaRPr/>
-          </a:p>
-        </p:txBody>
-      </p:sp>
-      <p:sp>
-        <p:nvSpPr>
-          <p:cNvPr id="81" name="CustomShape 36"/>
-          <p:cNvSpPr/>
-          <p:nvPr/>
-        </p:nvSpPr>
-        <p:spPr>
-          <a:xfrm>
-            <a:off x="9641520" y="3560400"/>
-            <a:ext cx="10653480" cy="504360"/>
-          </a:xfrm>
-          <a:prstGeom prst="rect">
-            <a:avLst/>
-          </a:prstGeom>
-          <a:noFill/>
-          <a:ln w="38160">
-            <a:solidFill>
-              <a:srgbClr val="C00000"/>
-            </a:solidFill>
-            <a:round/>
-          </a:ln>
-        </p:spPr>
-        <p:txBody>
-          <a:bodyPr anchor="ctr"/>
-          <a:lstStyle/>
-          <a:p>
-            <a:pPr algn="ctr">
-              <a:lnSpc>
-                <a:spcPct val="100000"/>
-              </a:lnSpc>
-            </a:pPr>
-            <a:r>
-              <a:rPr lang="en-US" sz="2800" b="1">
-                <a:solidFill>
-                  <a:srgbClr val="C00000"/>
-                </a:solidFill>
-                <a:latin typeface="Arial"/>
-                <a:ea typeface="Arial"/>
-              </a:rPr>
-              <a:t>1. Topic Represetation</a:t>
-            </a:r>
-            <a:endParaRPr/>
-          </a:p>
-        </p:txBody>
-      </p:sp>
       <mc:AlternateContent xmlns:mc="http://schemas.openxmlformats.org/markup-compatibility/2006">
         <mc:Choice xmlns:a14="http://schemas.microsoft.com/office/drawing/2010/main" Requires="a14">
           <p:sp>
             <p:nvSpPr>
-              <p:cNvPr id="82" name="CustomShape 37"/>
+              <p:cNvPr id="73" name="CustomShape 28"/>
               <p:cNvSpPr/>
               <p:nvPr/>
             </p:nvSpPr>
             <p:spPr>
               <a:xfrm>
-                <a:off x="9522360" y="8488440"/>
-                <a:ext cx="10653480" cy="1645920"/>
+                <a:off x="9443520" y="4140720"/>
+                <a:ext cx="10653480" cy="4151675"/>
               </a:xfrm>
               <a:prstGeom prst="rect">
                 <a:avLst/>
@@ -4634,19 +3575,19 @@
                   <a:buChar char="•"/>
                 </a:pPr>
                 <a:r>
-                  <a:rPr lang="en-US" sz="2800" dirty="0" smtClean="0"/>
+                  <a:rPr lang="en-US" sz="2800" dirty="0"/>
                   <a:t>In topic representation, we generate N topics for the user statuses in the training data using topic model [3]. For each topic, we propose to use two ways the represent the topics, and we will experiment with these two representations. First, one-hot ¨ ¨representation </a:t>
                 </a:r>
                 <a14:m>
                   <m:oMath xmlns:m="http://schemas.openxmlformats.org/officeDocument/2006/math">
                     <m:r>
-                      <a:rPr lang="en-US" sz="2800" b="0" i="1" smtClean="0">
+                      <a:rPr lang="en-US" sz="2800" i="1">
                         <a:latin typeface="Cambria Math" panose="02040503050406030204" pitchFamily="18" charset="0"/>
                       </a:rPr>
                       <m:t>𝑇</m:t>
                     </m:r>
                     <m:r>
-                      <a:rPr lang="en-US" sz="2800" b="0" i="1" smtClean="0">
+                      <a:rPr lang="en-US" sz="2800" i="1">
                         <a:latin typeface="Cambria Math" panose="02040503050406030204" pitchFamily="18" charset="0"/>
                         <a:ea typeface="Cambria Math" panose="02040503050406030204" pitchFamily="18" charset="0"/>
                       </a:rPr>
@@ -4655,7 +3596,7 @@
                     <m:sSup>
                       <m:sSupPr>
                         <m:ctrlPr>
-                          <a:rPr lang="en-US" sz="2800" b="0" i="1" smtClean="0">
+                          <a:rPr lang="ar-AE" sz="2800" i="1">
                             <a:latin typeface="Cambria Math" panose="02040503050406030204" pitchFamily="18" charset="0"/>
                             <a:ea typeface="Cambria Math" panose="02040503050406030204" pitchFamily="18" charset="0"/>
                           </a:rPr>
@@ -4663,7 +3604,7 @@
                       </m:sSupPr>
                       <m:e>
                         <m:r>
-                          <a:rPr lang="en-US" sz="2800" b="0" i="1" smtClean="0">
+                          <a:rPr lang="ar-AE" sz="2800" i="1">
                             <a:latin typeface="Cambria Math" panose="02040503050406030204" pitchFamily="18" charset="0"/>
                             <a:ea typeface="Cambria Math" panose="02040503050406030204" pitchFamily="18" charset="0"/>
                           </a:rPr>
@@ -4672,7 +3613,7 @@
                       </m:e>
                       <m:sup>
                         <m:r>
-                          <a:rPr lang="en-US" sz="2800" b="0" i="1" smtClean="0">
+                          <a:rPr lang="ar-AE" sz="2800" i="1">
                             <a:latin typeface="Cambria Math" panose="02040503050406030204" pitchFamily="18" charset="0"/>
                             <a:ea typeface="Cambria Math" panose="02040503050406030204" pitchFamily="18" charset="0"/>
                           </a:rPr>
@@ -4683,22 +3624,26 @@
                   </m:oMath>
                 </a14:m>
                 <a:r>
-                  <a:rPr lang="en-US" sz="2800" dirty="0" smtClean="0"/>
-                  <a:t> where the </a:t>
+                  <a:rPr lang="ar-AE" sz="2800" dirty="0"/>
+                  <a:t> </a:t>
+                </a:r>
+                <a:r>
+                  <a:rPr lang="en-US" sz="2800" dirty="0"/>
+                  <a:t>where the </a:t>
                 </a:r>
                 <a14:m>
                   <m:oMath xmlns:m="http://schemas.openxmlformats.org/officeDocument/2006/math">
                     <m:sSup>
                       <m:sSupPr>
                         <m:ctrlPr>
-                          <a:rPr lang="en-US" sz="2800" i="1" dirty="0" smtClean="0">
+                          <a:rPr lang="ar-AE" sz="2800" i="1" dirty="0">
                             <a:latin typeface="Cambria Math" panose="02040503050406030204" pitchFamily="18" charset="0"/>
                           </a:rPr>
                         </m:ctrlPr>
                       </m:sSupPr>
                       <m:e>
                         <m:r>
-                          <a:rPr lang="en-US" sz="2800" b="0" i="1" dirty="0" smtClean="0">
+                          <a:rPr lang="ar-AE" sz="2800" i="1" dirty="0">
                             <a:latin typeface="Cambria Math" panose="02040503050406030204" pitchFamily="18" charset="0"/>
                           </a:rPr>
                           <m:t>𝑖</m:t>
@@ -4706,29 +3651,39 @@
                       </m:e>
                       <m:sup>
                         <m:r>
-                          <a:rPr lang="en-US" sz="2800" b="0" i="1" dirty="0" smtClean="0">
+                          <a:rPr lang="ar-AE" sz="2800" i="1" dirty="0">
                             <a:latin typeface="Cambria Math" panose="02040503050406030204" pitchFamily="18" charset="0"/>
                           </a:rPr>
-                          <m:t>𝑡h</m:t>
+                          <m:t>𝑡</m:t>
+                        </m:r>
+                        <m:r>
+                          <a:rPr lang="ar-AE" sz="2800" i="1" dirty="0">
+                            <a:latin typeface="Cambria Math" panose="02040503050406030204" pitchFamily="18" charset="0"/>
+                          </a:rPr>
+                          <m:t>h</m:t>
                         </m:r>
                       </m:sup>
                     </m:sSup>
                   </m:oMath>
                 </a14:m>
                 <a:r>
-                  <a:rPr lang="en-US" sz="2800" dirty="0" smtClean="0"/>
-                  <a:t> topic is represented as </a:t>
+                  <a:rPr lang="ar-AE" sz="2800" dirty="0"/>
+                  <a:t> </a:t>
+                </a:r>
+                <a:r>
+                  <a:rPr lang="en-US" sz="2800" dirty="0"/>
+                  <a:t>topic is represented as </a:t>
                 </a:r>
                 <a14:m>
                   <m:oMath xmlns:m="http://schemas.openxmlformats.org/officeDocument/2006/math">
                     <m:r>
-                      <a:rPr lang="en-US" sz="2800" b="0" i="1" smtClean="0">
+                      <a:rPr lang="en-US" sz="2800" i="1">
                         <a:latin typeface="Cambria Math" panose="02040503050406030204" pitchFamily="18" charset="0"/>
                       </a:rPr>
                       <m:t>𝑇</m:t>
                     </m:r>
                     <m:r>
-                      <a:rPr lang="en-US" sz="2800" b="0" i="1" smtClean="0">
+                      <a:rPr lang="en-US" sz="2800" i="1">
                         <a:latin typeface="Cambria Math" panose="02040503050406030204" pitchFamily="18" charset="0"/>
                       </a:rPr>
                       <m:t> </m:t>
@@ -4736,7 +3691,7 @@
                   </m:oMath>
                 </a14:m>
                 <a:r>
-                  <a:rPr lang="en-US" sz="2800" dirty="0" smtClean="0"/>
+                  <a:rPr lang="en-US" sz="2800" dirty="0"/>
                   <a:t>with </a:t>
                 </a:r>
                 <a14:m>
@@ -4744,14 +3699,14 @@
                     <m:sSub>
                       <m:sSubPr>
                         <m:ctrlPr>
-                          <a:rPr lang="en-US" sz="2800" i="1" smtClean="0">
+                          <a:rPr lang="ar-AE" sz="2800" i="1">
                             <a:latin typeface="Cambria Math" panose="02040503050406030204" pitchFamily="18" charset="0"/>
                           </a:rPr>
                         </m:ctrlPr>
                       </m:sSubPr>
                       <m:e>
                         <m:r>
-                          <a:rPr lang="en-US" sz="2800" b="0" i="1" smtClean="0">
+                          <a:rPr lang="ar-AE" sz="2800" i="1">
                             <a:latin typeface="Cambria Math" panose="02040503050406030204" pitchFamily="18" charset="0"/>
                           </a:rPr>
                           <m:t>𝑇</m:t>
@@ -4759,7 +3714,7 @@
                       </m:e>
                       <m:sub>
                         <m:r>
-                          <a:rPr lang="en-US" sz="2800" b="0" i="1" smtClean="0">
+                          <a:rPr lang="ar-AE" sz="2800" i="1">
                             <a:latin typeface="Cambria Math" panose="02040503050406030204" pitchFamily="18" charset="0"/>
                           </a:rPr>
                           <m:t>𝑖</m:t>
@@ -4769,13 +3724,17 @@
                   </m:oMath>
                 </a14:m>
                 <a:r>
-                  <a:rPr lang="en-US" sz="2800" dirty="0" smtClean="0"/>
-                  <a:t>= 1 and the rest elements are 0. Second, we can use the word distribution of each topic as the representation of the topic </a:t>
+                  <a:rPr lang="ar-AE" sz="2800" dirty="0"/>
+                  <a:t>= 1 </a:t>
+                </a:r>
+                <a:r>
+                  <a:rPr lang="en-US" sz="2800" dirty="0"/>
+                  <a:t>and the rest elements are 0. Second, we can use the word distribution of each topic as the representation of the topic </a:t>
                 </a:r>
                 <a14:m>
                   <m:oMath xmlns:m="http://schemas.openxmlformats.org/officeDocument/2006/math">
                     <m:r>
-                      <a:rPr lang="en-US" sz="2800" b="0" i="1" smtClean="0">
+                      <a:rPr lang="en-US" sz="2800" i="1">
                         <a:latin typeface="Cambria Math" panose="02040503050406030204" pitchFamily="18" charset="0"/>
                       </a:rPr>
                       <m:t>𝑇</m:t>
@@ -4783,10 +3742,10 @@
                   </m:oMath>
                 </a14:m>
                 <a:r>
-                  <a:rPr lang="en-US" sz="2800" dirty="0" smtClean="0"/>
+                  <a:rPr lang="en-US" sz="2800" dirty="0"/>
                   <a:t>. Also, we might also try some deep learning methods to generate the topics and learn the encoding of each topic, so as to get a distinct representation of different topics. </a:t>
                 </a:r>
-                <a:endParaRPr dirty="0"/>
+                <a:endParaRPr lang="en-US" sz="2800" dirty="0"/>
               </a:p>
             </p:txBody>
           </p:sp>
@@ -4794,7 +3753,7 @@
         <mc:Fallback>
           <p:sp>
             <p:nvSpPr>
-              <p:cNvPr id="82" name="CustomShape 37"/>
+              <p:cNvPr id="73" name="CustomShape 28"/>
               <p:cNvSpPr>
                 <a:spLocks noRot="1" noChangeAspect="1" noMove="1" noResize="1" noEditPoints="1" noAdjustHandles="1" noChangeArrowheads="1" noChangeShapeType="1" noTextEdit="1"/>
               </p:cNvSpPr>
@@ -4802,8 +3761,8 @@
             </p:nvSpPr>
             <p:spPr>
               <a:xfrm>
-                <a:off x="9522360" y="8488440"/>
-                <a:ext cx="10653480" cy="1645920"/>
+                <a:off x="9443520" y="4140720"/>
+                <a:ext cx="10653480" cy="4151675"/>
               </a:xfrm>
               <a:prstGeom prst="rect">
                 <a:avLst/>
@@ -4811,7 +3770,7 @@
               <a:blipFill rotWithShape="0">
                 <a:blip r:embed="rId7"/>
                 <a:stretch>
-                  <a:fillRect l="-1144" t="-1111" r="-1945" b="-178519"/>
+                  <a:fillRect l="-1144" t="-441" r="-1945" b="-10426"/>
                 </a:stretch>
               </a:blipFill>
               <a:ln>
@@ -4835,6 +3794,382 @@
       </mc:AlternateContent>
       <p:sp>
         <p:nvSpPr>
+          <p:cNvPr id="74" name="CustomShape 29"/>
+          <p:cNvSpPr/>
+          <p:nvPr/>
+        </p:nvSpPr>
+        <p:spPr>
+          <a:xfrm>
+            <a:off x="9506880" y="13480920"/>
+            <a:ext cx="10617840" cy="1052640"/>
+          </a:xfrm>
+          <a:prstGeom prst="rect">
+            <a:avLst/>
+          </a:prstGeom>
+          <a:noFill/>
+          <a:ln>
+            <a:noFill/>
+          </a:ln>
+        </p:spPr>
+        <p:txBody>
+          <a:bodyPr tIns="91440" bIns="91440"/>
+          <a:lstStyle/>
+          <a:p>
+            <a:pPr>
+              <a:lnSpc>
+                <a:spcPct val="100000"/>
+              </a:lnSpc>
+              <a:buFont typeface="Arial"/>
+              <a:buChar char="•"/>
+            </a:pPr>
+            <a:r>
+              <a:rPr lang="en-US" sz="2800" dirty="0" smtClean="0"/>
+              <a:t>For every status x1, ...xt−1, </a:t>
+            </a:r>
+            <a:r>
+              <a:rPr lang="en-US" sz="2800" dirty="0" err="1" smtClean="0"/>
+              <a:t>xt</a:t>
+            </a:r>
+            <a:r>
+              <a:rPr lang="en-US" sz="2800" dirty="0" smtClean="0"/>
+              <a:t>, xt+1, ..., </a:t>
+            </a:r>
+            <a:r>
+              <a:rPr lang="en-US" sz="2800" dirty="0" err="1" smtClean="0"/>
+              <a:t>xT</a:t>
+            </a:r>
+            <a:r>
+              <a:rPr lang="en-US" sz="2800" dirty="0" smtClean="0"/>
+              <a:t> , the precise form of our proposed RNN is as follows:</a:t>
+            </a:r>
+          </a:p>
+          <a:p>
+            <a:pPr>
+              <a:lnSpc>
+                <a:spcPct val="100000"/>
+              </a:lnSpc>
+            </a:pPr>
+            <a:endParaRPr dirty="0"/>
+          </a:p>
+        </p:txBody>
+      </p:sp>
+      <p:sp>
+        <p:nvSpPr>
+          <p:cNvPr id="75" name="CustomShape 30"/>
+          <p:cNvSpPr/>
+          <p:nvPr/>
+        </p:nvSpPr>
+        <p:spPr>
+          <a:xfrm>
+            <a:off x="5018760" y="285480"/>
+            <a:ext cx="23774760" cy="1644840"/>
+          </a:xfrm>
+          <a:prstGeom prst="rect">
+            <a:avLst/>
+          </a:prstGeom>
+          <a:solidFill>
+            <a:srgbClr val="C10909"/>
+          </a:solidFill>
+          <a:ln>
+            <a:noFill/>
+          </a:ln>
+        </p:spPr>
+        <p:txBody>
+          <a:bodyPr lIns="90000" tIns="45000" rIns="90000" bIns="45000"/>
+          <a:lstStyle/>
+          <a:p>
+            <a:pPr algn="ctr">
+              <a:lnSpc>
+                <a:spcPct val="100000"/>
+              </a:lnSpc>
+            </a:pPr>
+            <a:r>
+              <a:rPr lang="en-US" sz="5400">
+                <a:solidFill>
+                  <a:srgbClr val="FFFFFF"/>
+                </a:solidFill>
+                <a:latin typeface="Arial"/>
+                <a:ea typeface="Arial"/>
+              </a:rPr>
+              <a:t>User Status Generation Based on Personality and Topic</a:t>
+            </a:r>
+            <a:endParaRPr/>
+          </a:p>
+          <a:p>
+            <a:pPr algn="ctr">
+              <a:lnSpc>
+                <a:spcPct val="100000"/>
+              </a:lnSpc>
+            </a:pPr>
+            <a:r>
+              <a:rPr lang="en-US" sz="2400">
+                <a:solidFill>
+                  <a:srgbClr val="FFFFFF"/>
+                </a:solidFill>
+                <a:latin typeface="Arial"/>
+                <a:ea typeface="Arial"/>
+              </a:rPr>
+              <a:t>Yilun Wang, Shijie Liu</a:t>
+            </a:r>
+            <a:endParaRPr/>
+          </a:p>
+          <a:p>
+            <a:pPr algn="ctr">
+              <a:lnSpc>
+                <a:spcPct val="100000"/>
+              </a:lnSpc>
+            </a:pPr>
+            <a:r>
+              <a:rPr lang="en-US" sz="2400">
+                <a:solidFill>
+                  <a:srgbClr val="FFFFFF"/>
+                </a:solidFill>
+                <a:latin typeface="Arial"/>
+                <a:ea typeface="Arial"/>
+              </a:rPr>
+              <a:t>Department of Computer Science, Stanford University</a:t>
+            </a:r>
+            <a:endParaRPr/>
+          </a:p>
+        </p:txBody>
+      </p:sp>
+      <p:sp>
+        <p:nvSpPr>
+          <p:cNvPr id="76" name="CustomShape 31"/>
+          <p:cNvSpPr/>
+          <p:nvPr/>
+        </p:nvSpPr>
+        <p:spPr>
+          <a:xfrm>
+            <a:off x="21287160" y="7280280"/>
+            <a:ext cx="11187000" cy="3655800"/>
+          </a:xfrm>
+          <a:prstGeom prst="rect">
+            <a:avLst/>
+          </a:prstGeom>
+          <a:noFill/>
+          <a:ln>
+            <a:noFill/>
+          </a:ln>
+        </p:spPr>
+        <p:txBody>
+          <a:bodyPr/>
+          <a:lstStyle/>
+          <a:p>
+            <a:pPr algn="just">
+              <a:lnSpc>
+                <a:spcPct val="100000"/>
+              </a:lnSpc>
+              <a:buFont typeface="Arial"/>
+              <a:buChar char="•"/>
+            </a:pPr>
+            <a:r>
+              <a:rPr lang="en-US" sz="2800" dirty="0"/>
+              <a:t>We have clustered the user statuses into 50 topics using LDA, and, as an example, here are the top words for five topics </a:t>
+            </a:r>
+            <a:endParaRPr dirty="0"/>
+          </a:p>
+          <a:p>
+            <a:pPr algn="just">
+              <a:lnSpc>
+                <a:spcPct val="100000"/>
+              </a:lnSpc>
+            </a:pPr>
+            <a:endParaRPr dirty="0"/>
+          </a:p>
+        </p:txBody>
+      </p:sp>
+      <p:sp>
+        <p:nvSpPr>
+          <p:cNvPr id="78" name="CustomShape 33"/>
+          <p:cNvSpPr/>
+          <p:nvPr/>
+        </p:nvSpPr>
+        <p:spPr>
+          <a:xfrm>
+            <a:off x="21381120" y="3521520"/>
+            <a:ext cx="10653480" cy="504360"/>
+          </a:xfrm>
+          <a:prstGeom prst="rect">
+            <a:avLst/>
+          </a:prstGeom>
+          <a:noFill/>
+          <a:ln w="38160">
+            <a:solidFill>
+              <a:srgbClr val="C00000"/>
+            </a:solidFill>
+            <a:round/>
+          </a:ln>
+        </p:spPr>
+        <p:txBody>
+          <a:bodyPr anchor="ctr"/>
+          <a:lstStyle/>
+          <a:p>
+            <a:pPr algn="just">
+              <a:lnSpc>
+                <a:spcPct val="100000"/>
+              </a:lnSpc>
+            </a:pPr>
+            <a:r>
+              <a:rPr lang="en-US" sz="2800" b="1" dirty="0">
+                <a:solidFill>
+                  <a:srgbClr val="C10909"/>
+                </a:solidFill>
+                <a:latin typeface="Arial"/>
+                <a:ea typeface="Arial"/>
+              </a:rPr>
+              <a:t>1. </a:t>
+            </a:r>
+            <a:r>
+              <a:rPr lang="en-US" sz="2800" b="1" dirty="0" smtClean="0">
+                <a:solidFill>
+                  <a:srgbClr val="C10909"/>
+                </a:solidFill>
+                <a:latin typeface="Arial"/>
+                <a:ea typeface="Arial"/>
+              </a:rPr>
+              <a:t>Data processing</a:t>
+            </a:r>
+            <a:endParaRPr dirty="0"/>
+          </a:p>
+        </p:txBody>
+      </p:sp>
+      <p:sp>
+        <p:nvSpPr>
+          <p:cNvPr id="79" name="CustomShape 34"/>
+          <p:cNvSpPr/>
+          <p:nvPr/>
+        </p:nvSpPr>
+        <p:spPr>
+          <a:xfrm>
+            <a:off x="21483480" y="6596280"/>
+            <a:ext cx="10653480" cy="504360"/>
+          </a:xfrm>
+          <a:prstGeom prst="rect">
+            <a:avLst/>
+          </a:prstGeom>
+          <a:noFill/>
+          <a:ln w="38160">
+            <a:solidFill>
+              <a:srgbClr val="C00000"/>
+            </a:solidFill>
+            <a:round/>
+          </a:ln>
+        </p:spPr>
+        <p:txBody>
+          <a:bodyPr anchor="ctr"/>
+          <a:lstStyle/>
+          <a:p>
+            <a:pPr algn="just">
+              <a:lnSpc>
+                <a:spcPct val="100000"/>
+              </a:lnSpc>
+            </a:pPr>
+            <a:r>
+              <a:rPr lang="en-US" sz="2800" b="1" dirty="0">
+                <a:solidFill>
+                  <a:srgbClr val="C10909"/>
+                </a:solidFill>
+                <a:latin typeface="Arial"/>
+                <a:ea typeface="Arial"/>
+              </a:rPr>
+              <a:t>2. </a:t>
+            </a:r>
+            <a:r>
+              <a:rPr lang="en-US" sz="2800" b="1" dirty="0" smtClean="0">
+                <a:solidFill>
+                  <a:srgbClr val="C10909"/>
+                </a:solidFill>
+                <a:latin typeface="Arial"/>
+                <a:ea typeface="Arial"/>
+              </a:rPr>
+              <a:t>Topic representation</a:t>
+            </a:r>
+            <a:endParaRPr dirty="0"/>
+          </a:p>
+        </p:txBody>
+      </p:sp>
+      <p:sp>
+        <p:nvSpPr>
+          <p:cNvPr id="81" name="CustomShape 36"/>
+          <p:cNvSpPr/>
+          <p:nvPr/>
+        </p:nvSpPr>
+        <p:spPr>
+          <a:xfrm>
+            <a:off x="9641520" y="3560400"/>
+            <a:ext cx="10653480" cy="504360"/>
+          </a:xfrm>
+          <a:prstGeom prst="rect">
+            <a:avLst/>
+          </a:prstGeom>
+          <a:noFill/>
+          <a:ln w="38160">
+            <a:solidFill>
+              <a:srgbClr val="C00000"/>
+            </a:solidFill>
+            <a:round/>
+          </a:ln>
+        </p:spPr>
+        <p:txBody>
+          <a:bodyPr anchor="ctr"/>
+          <a:lstStyle/>
+          <a:p>
+            <a:pPr algn="ctr">
+              <a:lnSpc>
+                <a:spcPct val="100000"/>
+              </a:lnSpc>
+            </a:pPr>
+            <a:r>
+              <a:rPr lang="en-US" sz="2800" b="1">
+                <a:solidFill>
+                  <a:srgbClr val="C00000"/>
+                </a:solidFill>
+                <a:latin typeface="Arial"/>
+                <a:ea typeface="Arial"/>
+              </a:rPr>
+              <a:t>1. Topic Represetation</a:t>
+            </a:r>
+            <a:endParaRPr/>
+          </a:p>
+        </p:txBody>
+      </p:sp>
+      <p:sp>
+        <p:nvSpPr>
+          <p:cNvPr id="82" name="CustomShape 37"/>
+          <p:cNvSpPr/>
+          <p:nvPr/>
+        </p:nvSpPr>
+        <p:spPr>
+          <a:xfrm>
+            <a:off x="9522360" y="8488440"/>
+            <a:ext cx="10653480" cy="1645920"/>
+          </a:xfrm>
+          <a:prstGeom prst="rect">
+            <a:avLst/>
+          </a:prstGeom>
+          <a:noFill/>
+          <a:ln>
+            <a:noFill/>
+          </a:ln>
+        </p:spPr>
+        <p:txBody>
+          <a:bodyPr tIns="91440" bIns="91440"/>
+          <a:lstStyle/>
+          <a:p>
+            <a:pPr>
+              <a:lnSpc>
+                <a:spcPct val="100000"/>
+              </a:lnSpc>
+              <a:buFont typeface="Arial"/>
+              <a:buChar char="•"/>
+            </a:pPr>
+            <a:endParaRPr dirty="0"/>
+          </a:p>
+        </p:txBody>
+      </p:sp>
+      <p:sp>
+        <p:nvSpPr>
           <p:cNvPr id="2" name="TextBox 1"/>
           <p:cNvSpPr txBox="1"/>
           <p:nvPr/>
@@ -4955,8 +4290,8 @@
           </a:p>
         </p:txBody>
       </p:sp>
-      <mc:AlternateContent xmlns:mc="http://schemas.openxmlformats.org/markup-compatibility/2006">
-        <mc:Choice xmlns:a14="http://schemas.microsoft.com/office/drawing/2010/main" Requires="a14">
+      <mc:AlternateContent xmlns:mc="http://schemas.openxmlformats.org/markup-compatibility/2006" xmlns:a14="http://schemas.microsoft.com/office/drawing/2010/main">
+        <mc:Choice Requires="a14">
           <p:sp>
             <p:nvSpPr>
               <p:cNvPr id="4" name="TextBox 3"/>
@@ -4988,18 +4323,24 @@
                     <m:sSub>
                       <m:sSubPr>
                         <m:ctrlPr>
-                          <a:rPr lang="en-US" sz="2800" dirty="0"/>
+                          <a:rPr lang="en-US" sz="2800" i="1" dirty="0">
+                            <a:latin typeface="Cambria Math" panose="02040503050406030204" pitchFamily="18" charset="0"/>
+                          </a:rPr>
                         </m:ctrlPr>
                       </m:sSubPr>
                       <m:e>
                         <m:r>
-                          <a:rPr lang="en-US" sz="2800" dirty="0"/>
+                          <a:rPr lang="en-US" sz="2800" dirty="0">
+                            <a:latin typeface="Cambria Math" panose="02040503050406030204" pitchFamily="18" charset="0"/>
+                          </a:rPr>
                           <m:t>h</m:t>
                         </m:r>
                       </m:e>
                       <m:sub>
                         <m:r>
-                          <a:rPr lang="en-US" sz="2800" dirty="0"/>
+                          <a:rPr lang="en-US" sz="2800" dirty="0">
+                            <a:latin typeface="Cambria Math" panose="02040503050406030204" pitchFamily="18" charset="0"/>
+                          </a:rPr>
                           <m:t>0</m:t>
                         </m:r>
                       </m:sub>
@@ -5015,12 +4356,16 @@
                     <m:sSup>
                       <m:sSupPr>
                         <m:ctrlPr>
-                          <a:rPr lang="en-US" sz="2800" dirty="0"/>
+                          <a:rPr lang="en-US" sz="2800" i="1" dirty="0">
+                            <a:latin typeface="Cambria Math" panose="02040503050406030204" pitchFamily="18" charset="0"/>
+                          </a:rPr>
                         </m:ctrlPr>
                       </m:sSupPr>
                       <m:e>
                         <m:r>
-                          <a:rPr lang="en-US" sz="2800" dirty="0"/>
+                          <a:rPr lang="en-US" sz="2800" dirty="0">
+                            <a:latin typeface="Cambria Math" panose="02040503050406030204" pitchFamily="18" charset="0"/>
+                          </a:rPr>
                           <m:t>𝑅</m:t>
                         </m:r>
                       </m:e>
@@ -5028,18 +4373,24 @@
                         <m:sSub>
                           <m:sSubPr>
                             <m:ctrlPr>
-                              <a:rPr lang="en-US" sz="2800" dirty="0"/>
+                              <a:rPr lang="en-US" sz="2800" i="1" dirty="0">
+                                <a:latin typeface="Cambria Math" panose="02040503050406030204" pitchFamily="18" charset="0"/>
+                              </a:rPr>
                             </m:ctrlPr>
                           </m:sSubPr>
                           <m:e>
                             <m:r>
-                              <a:rPr lang="en-US" sz="2800" dirty="0"/>
+                              <a:rPr lang="en-US" sz="2800" dirty="0">
+                                <a:latin typeface="Cambria Math" panose="02040503050406030204" pitchFamily="18" charset="0"/>
+                              </a:rPr>
                               <m:t>𝐷</m:t>
                             </m:r>
                           </m:e>
                           <m:sub>
                             <m:r>
-                              <a:rPr lang="en-US" sz="2800" dirty="0"/>
+                              <a:rPr lang="en-US" sz="2800" dirty="0">
+                                <a:latin typeface="Cambria Math" panose="02040503050406030204" pitchFamily="18" charset="0"/>
+                              </a:rPr>
                               <m:t>h</m:t>
                             </m:r>
                           </m:sub>
@@ -5057,26 +4408,36 @@
                     <m:sSub>
                       <m:sSubPr>
                         <m:ctrlPr>
-                          <a:rPr lang="en-US" sz="2800" dirty="0"/>
+                          <a:rPr lang="en-US" sz="2800" i="1" dirty="0">
+                            <a:latin typeface="Cambria Math" panose="02040503050406030204" pitchFamily="18" charset="0"/>
+                          </a:rPr>
                         </m:ctrlPr>
                       </m:sSubPr>
                       <m:e>
                         <m:r>
-                          <a:rPr lang="en-US" sz="2800" dirty="0"/>
+                          <a:rPr lang="en-US" sz="2800" dirty="0">
+                            <a:latin typeface="Cambria Math" panose="02040503050406030204" pitchFamily="18" charset="0"/>
+                          </a:rPr>
                           <m:t>𝑥</m:t>
                         </m:r>
                       </m:e>
                       <m:sub>
                         <m:r>
-                          <a:rPr lang="en-US" sz="2800" dirty="0"/>
+                          <a:rPr lang="en-US" sz="2800" dirty="0">
+                            <a:latin typeface="Cambria Math" panose="02040503050406030204" pitchFamily="18" charset="0"/>
+                          </a:rPr>
                           <m:t>[</m:t>
                         </m:r>
                         <m:r>
-                          <a:rPr lang="en-US" sz="2800" dirty="0"/>
+                          <a:rPr lang="en-US" sz="2800" dirty="0">
+                            <a:latin typeface="Cambria Math" panose="02040503050406030204" pitchFamily="18" charset="0"/>
+                          </a:rPr>
                           <m:t>𝑡</m:t>
                         </m:r>
                         <m:r>
-                          <a:rPr lang="en-US" sz="2800" dirty="0"/>
+                          <a:rPr lang="en-US" sz="2800" dirty="0">
+                            <a:latin typeface="Cambria Math" panose="02040503050406030204" pitchFamily="18" charset="0"/>
+                          </a:rPr>
                           <m:t>]</m:t>
                         </m:r>
                       </m:sub>
@@ -5092,26 +4453,36 @@
                     <m:sSup>
                       <m:sSupPr>
                         <m:ctrlPr>
-                          <a:rPr lang="en-US" sz="2800"/>
+                          <a:rPr lang="en-US" sz="2800" i="1">
+                            <a:latin typeface="Cambria Math" panose="02040503050406030204" pitchFamily="18" charset="0"/>
+                          </a:rPr>
                         </m:ctrlPr>
                       </m:sSupPr>
                       <m:e>
                         <m:r>
-                          <a:rPr lang="en-US" sz="2800"/>
+                          <a:rPr lang="en-US" sz="2800">
+                            <a:latin typeface="Cambria Math" panose="02040503050406030204" pitchFamily="18" charset="0"/>
+                          </a:rPr>
                           <m:t>𝑊</m:t>
                         </m:r>
                       </m:e>
                       <m:sup>
                         <m:r>
-                          <a:rPr lang="en-US" sz="2800"/>
+                          <a:rPr lang="en-US" sz="2800">
+                            <a:latin typeface="Cambria Math" panose="02040503050406030204" pitchFamily="18" charset="0"/>
+                          </a:rPr>
                           <m:t>(</m:t>
                         </m:r>
                         <m:r>
-                          <a:rPr lang="en-US" sz="2800"/>
+                          <a:rPr lang="en-US" sz="2800">
+                            <a:latin typeface="Cambria Math" panose="02040503050406030204" pitchFamily="18" charset="0"/>
+                          </a:rPr>
                           <m:t>hh</m:t>
                         </m:r>
                         <m:r>
-                          <a:rPr lang="en-US" sz="2800"/>
+                          <a:rPr lang="en-US" sz="2800">
+                            <a:latin typeface="Cambria Math" panose="02040503050406030204" pitchFamily="18" charset="0"/>
+                          </a:rPr>
                           <m:t>)</m:t>
                         </m:r>
                       </m:sup>
@@ -5127,49 +4498,73 @@
                     <m:sSup>
                       <m:sSupPr>
                         <m:ctrlPr>
-                          <a:rPr lang="en-US" sz="2800"/>
+                          <a:rPr lang="en-US" sz="2800" i="1">
+                            <a:latin typeface="Cambria Math" panose="02040503050406030204" pitchFamily="18" charset="0"/>
+                          </a:rPr>
                         </m:ctrlPr>
                       </m:sSupPr>
                       <m:e>
                         <m:r>
-                          <a:rPr lang="en-US" sz="2800"/>
+                          <a:rPr lang="en-US" sz="2800">
+                            <a:latin typeface="Cambria Math" panose="02040503050406030204" pitchFamily="18" charset="0"/>
+                          </a:rPr>
                           <m:t>𝑊</m:t>
                         </m:r>
                       </m:e>
                       <m:sup>
                         <m:r>
-                          <a:rPr lang="en-US" sz="2800"/>
-                          <m:t>h𝑥</m:t>
+                          <a:rPr lang="en-US" sz="2800">
+                            <a:latin typeface="Cambria Math" panose="02040503050406030204" pitchFamily="18" charset="0"/>
+                          </a:rPr>
+                          <m:t>h</m:t>
+                        </m:r>
+                        <m:r>
+                          <a:rPr lang="en-US" sz="2800">
+                            <a:latin typeface="Cambria Math" panose="02040503050406030204" pitchFamily="18" charset="0"/>
+                          </a:rPr>
+                          <m:t>𝑥</m:t>
                         </m:r>
                       </m:sup>
                     </m:sSup>
                     <m:r>
-                      <a:rPr lang="en-US" sz="2800"/>
+                      <a:rPr lang="en-US" sz="2800">
+                        <a:latin typeface="Cambria Math" panose="02040503050406030204" pitchFamily="18" charset="0"/>
+                      </a:rPr>
                       <m:t>, </m:t>
                     </m:r>
                     <m:sSup>
                       <m:sSupPr>
                         <m:ctrlPr>
-                          <a:rPr lang="en-US" sz="2800"/>
+                          <a:rPr lang="en-US" sz="2800" i="1">
+                            <a:latin typeface="Cambria Math" panose="02040503050406030204" pitchFamily="18" charset="0"/>
+                          </a:rPr>
                         </m:ctrlPr>
                       </m:sSupPr>
                       <m:e>
                         <m:r>
-                          <a:rPr lang="en-US" sz="2800"/>
+                          <a:rPr lang="en-US" sz="2800">
+                            <a:latin typeface="Cambria Math" panose="02040503050406030204" pitchFamily="18" charset="0"/>
+                          </a:rPr>
                           <m:t>𝑊</m:t>
                         </m:r>
                       </m:e>
                       <m:sup>
                         <m:r>
-                          <a:rPr lang="en-US" sz="2800"/>
+                          <a:rPr lang="en-US" sz="2800">
+                            <a:latin typeface="Cambria Math" panose="02040503050406030204" pitchFamily="18" charset="0"/>
+                          </a:rPr>
                           <m:t>(</m:t>
                         </m:r>
                         <m:r>
-                          <a:rPr lang="en-US" sz="2800"/>
+                          <a:rPr lang="en-US" sz="2800">
+                            <a:latin typeface="Cambria Math" panose="02040503050406030204" pitchFamily="18" charset="0"/>
+                          </a:rPr>
                           <m:t>𝑆</m:t>
                         </m:r>
                         <m:r>
-                          <a:rPr lang="en-US" sz="2800"/>
+                          <a:rPr lang="en-US" sz="2800">
+                            <a:latin typeface="Cambria Math" panose="02040503050406030204" pitchFamily="18" charset="0"/>
+                          </a:rPr>
                           <m:t>)</m:t>
                         </m:r>
                       </m:sup>
@@ -5230,7 +4625,7 @@
             </p:txBody>
           </p:sp>
         </mc:Choice>
-        <mc:Fallback>
+        <mc:Fallback xmlns="">
           <p:sp>
             <p:nvSpPr>
               <p:cNvPr id="4" name="TextBox 3"/>
@@ -5269,18 +4664,151 @@
           </p:sp>
         </mc:Fallback>
       </mc:AlternateContent>
+      <p:pic>
+        <p:nvPicPr>
+          <p:cNvPr id="5" name="Picture 4"/>
+          <p:cNvPicPr>
+            <a:picLocks noChangeAspect="1"/>
+          </p:cNvPicPr>
+          <p:nvPr/>
+        </p:nvPicPr>
+        <p:blipFill rotWithShape="1">
+          <a:blip r:embed="rId9">
+            <a:extLst>
+              <a:ext uri="{28A0092B-C50C-407E-A947-70E740481C1C}">
+                <a14:useLocalDpi xmlns:a14="http://schemas.microsoft.com/office/drawing/2010/main" val="0"/>
+              </a:ext>
+            </a:extLst>
+          </a:blip>
+          <a:srcRect b="29748"/>
+          <a:stretch/>
+        </p:blipFill>
+        <p:spPr>
+          <a:xfrm>
+            <a:off x="26152251" y="5172120"/>
+            <a:ext cx="6171429" cy="1371600"/>
+          </a:xfrm>
+          <a:prstGeom prst="rect">
+            <a:avLst/>
+          </a:prstGeom>
+        </p:spPr>
+      </p:pic>
+      <p:pic>
+        <p:nvPicPr>
+          <p:cNvPr id="6" name="Picture 5"/>
+          <p:cNvPicPr>
+            <a:picLocks noChangeAspect="1"/>
+          </p:cNvPicPr>
+          <p:nvPr/>
+        </p:nvPicPr>
+        <p:blipFill>
+          <a:blip r:embed="rId10">
+            <a:extLst>
+              <a:ext uri="{28A0092B-C50C-407E-A947-70E740481C1C}">
+                <a14:useLocalDpi xmlns:a14="http://schemas.microsoft.com/office/drawing/2010/main" val="0"/>
+              </a:ext>
+            </a:extLst>
+          </a:blip>
+          <a:stretch>
+            <a:fillRect/>
+          </a:stretch>
+        </p:blipFill>
+        <p:spPr>
+          <a:xfrm>
+            <a:off x="22905121" y="8160300"/>
+            <a:ext cx="7155180" cy="3688695"/>
+          </a:xfrm>
+          <a:prstGeom prst="rect">
+            <a:avLst/>
+          </a:prstGeom>
+        </p:spPr>
+      </p:pic>
+      <p:sp>
+        <p:nvSpPr>
+          <p:cNvPr id="54" name="CustomShape 34"/>
+          <p:cNvSpPr/>
+          <p:nvPr/>
+        </p:nvSpPr>
+        <p:spPr>
+          <a:xfrm>
+            <a:off x="21463520" y="12063195"/>
+            <a:ext cx="10653480" cy="504360"/>
+          </a:xfrm>
+          <a:prstGeom prst="rect">
+            <a:avLst/>
+          </a:prstGeom>
+          <a:noFill/>
+          <a:ln w="38160">
+            <a:solidFill>
+              <a:srgbClr val="C00000"/>
+            </a:solidFill>
+            <a:round/>
+          </a:ln>
+        </p:spPr>
+        <p:txBody>
+          <a:bodyPr anchor="ctr"/>
+          <a:lstStyle/>
+          <a:p>
+            <a:pPr algn="just">
+              <a:lnSpc>
+                <a:spcPct val="100000"/>
+              </a:lnSpc>
+            </a:pPr>
+            <a:r>
+              <a:rPr lang="en-US" sz="2800" b="1" dirty="0" smtClean="0">
+                <a:solidFill>
+                  <a:srgbClr val="C10909"/>
+                </a:solidFill>
+                <a:latin typeface="Arial"/>
+                <a:ea typeface="Arial"/>
+              </a:rPr>
+              <a:t>3. Sentence generation</a:t>
+            </a:r>
+            <a:endParaRPr dirty="0"/>
+          </a:p>
+        </p:txBody>
+      </p:sp>
+      <p:sp>
+        <p:nvSpPr>
+          <p:cNvPr id="7" name="TextBox 6"/>
+          <p:cNvSpPr txBox="1"/>
+          <p:nvPr/>
+        </p:nvSpPr>
+        <p:spPr>
+          <a:xfrm>
+            <a:off x="9601200" y="9441929"/>
+            <a:ext cx="10606257" cy="2677656"/>
+          </a:xfrm>
+          <a:prstGeom prst="rect">
+            <a:avLst/>
+          </a:prstGeom>
+          <a:noFill/>
+        </p:spPr>
+        <p:txBody>
+          <a:bodyPr wrap="square" rtlCol="0">
+            <a:spAutoFit/>
+          </a:bodyPr>
+          <a:lstStyle/>
+          <a:p>
+            <a:r>
+              <a:rPr lang="en-US" sz="2800" dirty="0"/>
+              <a:t>For each user’s status update, we use the corresponding user’s personality attributes P collected using International Personality Item Pool (IPIP) Five-Factor Model. P for each user is in 5 dimension and the attributes are representing traits of openness, conscientiousness, extraversion, agreeableness, and neuroticism respectively. </a:t>
+            </a:r>
+          </a:p>
+        </p:txBody>
+      </p:sp>
     </p:spTree>
   </p:cSld>
   <p:clrMapOvr>
     <a:masterClrMapping/>
   </p:clrMapOvr>
-  <mc:AlternateContent xmlns:mc="http://schemas.openxmlformats.org/markup-compatibility/2006">
-    <mc:Choice xmlns:p14="http://schemas.microsoft.com/office/powerpoint/2010/main" Requires="p14">
+  <mc:AlternateContent xmlns:mc="http://schemas.openxmlformats.org/markup-compatibility/2006" xmlns:p14="http://schemas.microsoft.com/office/powerpoint/2010/main">
+    <mc:Choice Requires="p14">
       <p:transition spd="slow" p14:dur="800">
         <p:circle/>
       </p:transition>
     </mc:Choice>
-    <mc:Fallback>
+    <mc:Fallback xmlns="">
       <p:transition spd="slow">
         <p:circle/>
       </p:transition>

--- a/Poster_v5.pptx
+++ b/Poster_v5.pptx
@@ -3542,8 +3542,8 @@
           </a:p>
         </p:txBody>
       </p:sp>
-      <mc:AlternateContent xmlns:mc="http://schemas.openxmlformats.org/markup-compatibility/2006">
-        <mc:Choice xmlns:a14="http://schemas.microsoft.com/office/drawing/2010/main" Requires="a14">
+      <mc:AlternateContent xmlns:mc="http://schemas.openxmlformats.org/markup-compatibility/2006" xmlns:a14="http://schemas.microsoft.com/office/drawing/2010/main">
+        <mc:Choice Requires="a14">
           <p:sp>
             <p:nvSpPr>
               <p:cNvPr id="73" name="CustomShape 28"/>
@@ -3745,12 +3745,11 @@
                   <a:rPr lang="en-US" sz="2800" dirty="0"/>
                   <a:t>. Also, we might also try some deep learning methods to generate the topics and learn the encoding of each topic, so as to get a distinct representation of different topics. </a:t>
                 </a:r>
-                <a:endParaRPr lang="en-US" sz="2800" dirty="0"/>
               </a:p>
             </p:txBody>
           </p:sp>
         </mc:Choice>
-        <mc:Fallback>
+        <mc:Fallback xmlns="">
           <p:sp>
             <p:nvSpPr>
               <p:cNvPr id="73" name="CustomShape 28"/>
@@ -3792,67 +3791,289 @@
           </p:sp>
         </mc:Fallback>
       </mc:AlternateContent>
-      <p:sp>
-        <p:nvSpPr>
-          <p:cNvPr id="74" name="CustomShape 29"/>
-          <p:cNvSpPr/>
-          <p:nvPr/>
-        </p:nvSpPr>
-        <p:spPr>
-          <a:xfrm>
-            <a:off x="9506880" y="13480920"/>
-            <a:ext cx="10617840" cy="1052640"/>
-          </a:xfrm>
-          <a:prstGeom prst="rect">
-            <a:avLst/>
-          </a:prstGeom>
-          <a:noFill/>
-          <a:ln>
-            <a:noFill/>
-          </a:ln>
-        </p:spPr>
-        <p:txBody>
-          <a:bodyPr tIns="91440" bIns="91440"/>
-          <a:lstStyle/>
-          <a:p>
-            <a:pPr>
-              <a:lnSpc>
-                <a:spcPct val="100000"/>
-              </a:lnSpc>
-              <a:buFont typeface="Arial"/>
-              <a:buChar char="•"/>
-            </a:pPr>
-            <a:r>
-              <a:rPr lang="en-US" sz="2800" dirty="0" smtClean="0"/>
-              <a:t>For every status x1, ...xt−1, </a:t>
-            </a:r>
-            <a:r>
-              <a:rPr lang="en-US" sz="2800" dirty="0" err="1" smtClean="0"/>
-              <a:t>xt</a:t>
-            </a:r>
-            <a:r>
-              <a:rPr lang="en-US" sz="2800" dirty="0" smtClean="0"/>
-              <a:t>, xt+1, ..., </a:t>
-            </a:r>
-            <a:r>
-              <a:rPr lang="en-US" sz="2800" dirty="0" err="1" smtClean="0"/>
-              <a:t>xT</a:t>
-            </a:r>
-            <a:r>
-              <a:rPr lang="en-US" sz="2800" dirty="0" smtClean="0"/>
-              <a:t> , the precise form of our proposed RNN is as follows:</a:t>
-            </a:r>
-          </a:p>
-          <a:p>
-            <a:pPr>
-              <a:lnSpc>
-                <a:spcPct val="100000"/>
-              </a:lnSpc>
-            </a:pPr>
-            <a:endParaRPr dirty="0"/>
-          </a:p>
-        </p:txBody>
-      </p:sp>
+      <mc:AlternateContent xmlns:mc="http://schemas.openxmlformats.org/markup-compatibility/2006" xmlns:a14="http://schemas.microsoft.com/office/drawing/2010/main">
+        <mc:Choice Requires="a14">
+          <p:sp>
+            <p:nvSpPr>
+              <p:cNvPr id="74" name="CustomShape 29"/>
+              <p:cNvSpPr/>
+              <p:nvPr/>
+            </p:nvSpPr>
+            <p:spPr>
+              <a:xfrm>
+                <a:off x="9506880" y="13480920"/>
+                <a:ext cx="10617840" cy="1052640"/>
+              </a:xfrm>
+              <a:prstGeom prst="rect">
+                <a:avLst/>
+              </a:prstGeom>
+              <a:noFill/>
+              <a:ln>
+                <a:noFill/>
+              </a:ln>
+            </p:spPr>
+            <p:txBody>
+              <a:bodyPr tIns="91440" bIns="91440"/>
+              <a:lstStyle/>
+              <a:p>
+                <a:pPr>
+                  <a:lnSpc>
+                    <a:spcPct val="100000"/>
+                  </a:lnSpc>
+                  <a:buFont typeface="Arial"/>
+                  <a:buChar char="•"/>
+                </a:pPr>
+                <a:r>
+                  <a:rPr lang="en-US" sz="2800" dirty="0" smtClean="0"/>
+                  <a:t>For every status </a:t>
+                </a:r>
+                <a14:m>
+                  <m:oMath xmlns:m="http://schemas.openxmlformats.org/officeDocument/2006/math">
+                    <m:sSub>
+                      <m:sSubPr>
+                        <m:ctrlPr>
+                          <a:rPr lang="en-US" sz="2800" i="1" dirty="0" smtClean="0">
+                            <a:latin typeface="Cambria Math" panose="02040503050406030204" pitchFamily="18" charset="0"/>
+                          </a:rPr>
+                        </m:ctrlPr>
+                      </m:sSubPr>
+                      <m:e>
+                        <m:r>
+                          <a:rPr lang="en-US" sz="2800" b="0" i="1" dirty="0" smtClean="0">
+                            <a:latin typeface="Cambria Math" panose="02040503050406030204" pitchFamily="18" charset="0"/>
+                          </a:rPr>
+                          <m:t>𝑥</m:t>
+                        </m:r>
+                      </m:e>
+                      <m:sub>
+                        <m:r>
+                          <a:rPr lang="en-US" sz="2800" b="0" i="1" dirty="0" smtClean="0">
+                            <a:latin typeface="Cambria Math" panose="02040503050406030204" pitchFamily="18" charset="0"/>
+                          </a:rPr>
+                          <m:t>1</m:t>
+                        </m:r>
+                      </m:sub>
+                    </m:sSub>
+                  </m:oMath>
+                </a14:m>
+                <a:r>
+                  <a:rPr lang="en-US" sz="2800" dirty="0" smtClean="0"/>
+                  <a:t>, ...</a:t>
+                </a:r>
+                <a:r>
+                  <a:rPr lang="en-US" sz="2800" dirty="0"/>
+                  <a:t> </a:t>
+                </a:r>
+                <a14:m>
+                  <m:oMath xmlns:m="http://schemas.openxmlformats.org/officeDocument/2006/math">
+                    <m:sSub>
+                      <m:sSubPr>
+                        <m:ctrlPr>
+                          <a:rPr lang="en-US" sz="2800" i="1" dirty="0">
+                            <a:latin typeface="Cambria Math" panose="02040503050406030204" pitchFamily="18" charset="0"/>
+                          </a:rPr>
+                        </m:ctrlPr>
+                      </m:sSubPr>
+                      <m:e>
+                        <m:r>
+                          <a:rPr lang="en-US" sz="2800" i="1" dirty="0">
+                            <a:latin typeface="Cambria Math" panose="02040503050406030204" pitchFamily="18" charset="0"/>
+                          </a:rPr>
+                          <m:t>𝑥</m:t>
+                        </m:r>
+                      </m:e>
+                      <m:sub>
+                        <m:r>
+                          <a:rPr lang="en-US" sz="2800" b="0" i="1" dirty="0" smtClean="0">
+                            <a:latin typeface="Cambria Math" panose="02040503050406030204" pitchFamily="18" charset="0"/>
+                          </a:rPr>
+                          <m:t>𝑡</m:t>
+                        </m:r>
+                        <m:r>
+                          <a:rPr lang="en-US" sz="2800" b="0" i="1" dirty="0" smtClean="0">
+                            <a:latin typeface="Cambria Math" panose="02040503050406030204" pitchFamily="18" charset="0"/>
+                          </a:rPr>
+                          <m:t>−</m:t>
+                        </m:r>
+                        <m:r>
+                          <a:rPr lang="en-US" sz="2800" b="0" i="1" dirty="0" smtClean="0">
+                            <a:latin typeface="Cambria Math" panose="02040503050406030204" pitchFamily="18" charset="0"/>
+                          </a:rPr>
+                          <m:t>1</m:t>
+                        </m:r>
+                      </m:sub>
+                    </m:sSub>
+                  </m:oMath>
+                </a14:m>
+                <a:r>
+                  <a:rPr lang="en-US" sz="2800" dirty="0" smtClean="0"/>
+                  <a:t>, </a:t>
+                </a:r>
+                <a14:m>
+                  <m:oMath xmlns:m="http://schemas.openxmlformats.org/officeDocument/2006/math">
+                    <m:sSub>
+                      <m:sSubPr>
+                        <m:ctrlPr>
+                          <a:rPr lang="en-US" sz="2800" i="1" dirty="0">
+                            <a:latin typeface="Cambria Math" panose="02040503050406030204" pitchFamily="18" charset="0"/>
+                          </a:rPr>
+                        </m:ctrlPr>
+                      </m:sSubPr>
+                      <m:e>
+                        <m:r>
+                          <a:rPr lang="en-US" sz="2800" i="1" dirty="0">
+                            <a:latin typeface="Cambria Math" panose="02040503050406030204" pitchFamily="18" charset="0"/>
+                          </a:rPr>
+                          <m:t>𝑥</m:t>
+                        </m:r>
+                      </m:e>
+                      <m:sub>
+                        <m:r>
+                          <a:rPr lang="en-US" sz="2800" b="0" i="1" dirty="0" smtClean="0">
+                            <a:latin typeface="Cambria Math" panose="02040503050406030204" pitchFamily="18" charset="0"/>
+                          </a:rPr>
+                          <m:t>𝑡</m:t>
+                        </m:r>
+                      </m:sub>
+                    </m:sSub>
+                  </m:oMath>
+                </a14:m>
+                <a:r>
+                  <a:rPr lang="en-US" sz="2800" dirty="0" smtClean="0"/>
+                  <a:t>, </a:t>
+                </a:r>
+                <a14:m>
+                  <m:oMath xmlns:m="http://schemas.openxmlformats.org/officeDocument/2006/math">
+                    <m:sSub>
+                      <m:sSubPr>
+                        <m:ctrlPr>
+                          <a:rPr lang="en-US" sz="2800" i="1" dirty="0" smtClean="0">
+                            <a:latin typeface="Cambria Math" panose="02040503050406030204" pitchFamily="18" charset="0"/>
+                          </a:rPr>
+                        </m:ctrlPr>
+                      </m:sSubPr>
+                      <m:e>
+                        <m:r>
+                          <a:rPr lang="en-US" sz="2800" i="1" dirty="0">
+                            <a:latin typeface="Cambria Math" panose="02040503050406030204" pitchFamily="18" charset="0"/>
+                          </a:rPr>
+                          <m:t>𝑥</m:t>
+                        </m:r>
+                      </m:e>
+                      <m:sub>
+                        <m:r>
+                          <a:rPr lang="en-US" sz="2800" b="0" i="1" dirty="0" smtClean="0">
+                            <a:latin typeface="Cambria Math" panose="02040503050406030204" pitchFamily="18" charset="0"/>
+                          </a:rPr>
+                          <m:t>𝑡</m:t>
+                        </m:r>
+                        <m:r>
+                          <a:rPr lang="en-US" sz="2800" b="0" i="1" dirty="0" smtClean="0">
+                            <a:latin typeface="Cambria Math" panose="02040503050406030204" pitchFamily="18" charset="0"/>
+                          </a:rPr>
+                          <m:t>+</m:t>
+                        </m:r>
+                        <m:r>
+                          <a:rPr lang="en-US" sz="2800" b="0" i="1" dirty="0" smtClean="0">
+                            <a:latin typeface="Cambria Math" panose="02040503050406030204" pitchFamily="18" charset="0"/>
+                          </a:rPr>
+                          <m:t>1</m:t>
+                        </m:r>
+                      </m:sub>
+                    </m:sSub>
+                  </m:oMath>
+                </a14:m>
+                <a:r>
+                  <a:rPr lang="en-US" sz="2800" dirty="0" smtClean="0"/>
+                  <a:t>, ..., </a:t>
+                </a:r>
+                <a14:m>
+                  <m:oMath xmlns:m="http://schemas.openxmlformats.org/officeDocument/2006/math">
+                    <m:sSub>
+                      <m:sSubPr>
+                        <m:ctrlPr>
+                          <a:rPr lang="en-US" sz="2800" i="1" dirty="0">
+                            <a:latin typeface="Cambria Math" panose="02040503050406030204" pitchFamily="18" charset="0"/>
+                          </a:rPr>
+                        </m:ctrlPr>
+                      </m:sSubPr>
+                      <m:e>
+                        <m:r>
+                          <a:rPr lang="en-US" sz="2800" i="1" dirty="0">
+                            <a:latin typeface="Cambria Math" panose="02040503050406030204" pitchFamily="18" charset="0"/>
+                          </a:rPr>
+                          <m:t>𝑥</m:t>
+                        </m:r>
+                      </m:e>
+                      <m:sub>
+                        <m:r>
+                          <a:rPr lang="en-US" sz="2800" b="0" i="1" dirty="0" smtClean="0">
+                            <a:latin typeface="Cambria Math" panose="02040503050406030204" pitchFamily="18" charset="0"/>
+                          </a:rPr>
+                          <m:t>𝑇</m:t>
+                        </m:r>
+                      </m:sub>
+                    </m:sSub>
+                  </m:oMath>
+                </a14:m>
+                <a:r>
+                  <a:rPr lang="en-US" sz="2800" dirty="0" smtClean="0"/>
+                  <a:t> , the precise form of our proposed RNN is as follows:</a:t>
+                </a:r>
+              </a:p>
+              <a:p>
+                <a:pPr>
+                  <a:lnSpc>
+                    <a:spcPct val="100000"/>
+                  </a:lnSpc>
+                </a:pPr>
+                <a:endParaRPr dirty="0"/>
+              </a:p>
+            </p:txBody>
+          </p:sp>
+        </mc:Choice>
+        <mc:Fallback xmlns="">
+          <p:sp>
+            <p:nvSpPr>
+              <p:cNvPr id="74" name="CustomShape 29"/>
+              <p:cNvSpPr>
+                <a:spLocks noRot="1" noChangeAspect="1" noMove="1" noResize="1" noEditPoints="1" noAdjustHandles="1" noChangeArrowheads="1" noChangeShapeType="1" noTextEdit="1"/>
+              </p:cNvSpPr>
+              <p:nvPr/>
+            </p:nvSpPr>
+            <p:spPr>
+              <a:xfrm>
+                <a:off x="9506880" y="13480920"/>
+                <a:ext cx="10617840" cy="1052640"/>
+              </a:xfrm>
+              <a:prstGeom prst="rect">
+                <a:avLst/>
+              </a:prstGeom>
+              <a:blipFill rotWithShape="0">
+                <a:blip r:embed="rId8"/>
+                <a:stretch>
+                  <a:fillRect l="-1206" t="-1734" b="-10405"/>
+                </a:stretch>
+              </a:blipFill>
+              <a:ln>
+                <a:noFill/>
+              </a:ln>
+            </p:spPr>
+            <p:txBody>
+              <a:bodyPr/>
+              <a:lstStyle/>
+              <a:p>
+                <a:r>
+                  <a:rPr lang="en-US">
+                    <a:noFill/>
+                  </a:rPr>
+                  <a:t> </a:t>
+                </a:r>
+              </a:p>
+            </p:txBody>
+          </p:sp>
+        </mc:Fallback>
+      </mc:AlternateContent>
       <p:sp>
         <p:nvSpPr>
           <p:cNvPr id="75" name="CustomShape 30"/>
@@ -4643,7 +4864,7 @@
                 <a:avLst/>
               </a:prstGeom>
               <a:blipFill rotWithShape="0">
-                <a:blip r:embed="rId8"/>
+                <a:blip r:embed="rId9"/>
                 <a:stretch>
                   <a:fillRect l="-1224" t="-739" r="-1749" b="-2586"/>
                 </a:stretch>
@@ -4666,35 +4887,6 @@
       </mc:AlternateContent>
       <p:pic>
         <p:nvPicPr>
-          <p:cNvPr id="5" name="Picture 4"/>
-          <p:cNvPicPr>
-            <a:picLocks noChangeAspect="1"/>
-          </p:cNvPicPr>
-          <p:nvPr/>
-        </p:nvPicPr>
-        <p:blipFill rotWithShape="1">
-          <a:blip r:embed="rId9">
-            <a:extLst>
-              <a:ext uri="{28A0092B-C50C-407E-A947-70E740481C1C}">
-                <a14:useLocalDpi xmlns:a14="http://schemas.microsoft.com/office/drawing/2010/main" val="0"/>
-              </a:ext>
-            </a:extLst>
-          </a:blip>
-          <a:srcRect b="29748"/>
-          <a:stretch/>
-        </p:blipFill>
-        <p:spPr>
-          <a:xfrm>
-            <a:off x="26152251" y="5172120"/>
-            <a:ext cx="6171429" cy="1371600"/>
-          </a:xfrm>
-          <a:prstGeom prst="rect">
-            <a:avLst/>
-          </a:prstGeom>
-        </p:spPr>
-      </p:pic>
-      <p:pic>
-        <p:nvPicPr>
           <p:cNvPr id="6" name="Picture 5"/>
           <p:cNvPicPr>
             <a:picLocks noChangeAspect="1"/>
@@ -4797,6 +4989,36 @@
           </a:p>
         </p:txBody>
       </p:sp>
+      <p:pic>
+        <p:nvPicPr>
+          <p:cNvPr id="8" name="Picture 7"/>
+          <p:cNvPicPr>
+            <a:picLocks noChangeAspect="1"/>
+          </p:cNvPicPr>
+          <p:nvPr/>
+        </p:nvPicPr>
+        <p:blipFill>
+          <a:blip r:embed="rId11">
+            <a:extLst>
+              <a:ext uri="{28A0092B-C50C-407E-A947-70E740481C1C}">
+                <a14:useLocalDpi xmlns:a14="http://schemas.microsoft.com/office/drawing/2010/main" val="0"/>
+              </a:ext>
+            </a:extLst>
+          </a:blip>
+          <a:stretch>
+            <a:fillRect/>
+          </a:stretch>
+        </p:blipFill>
+        <p:spPr>
+          <a:xfrm>
+            <a:off x="25549480" y="5168693"/>
+            <a:ext cx="6200000" cy="1266667"/>
+          </a:xfrm>
+          <a:prstGeom prst="rect">
+            <a:avLst/>
+          </a:prstGeom>
+        </p:spPr>
+      </p:pic>
     </p:spTree>
   </p:cSld>
   <p:clrMapOvr>
